--- a/misc/buttons.pptx
+++ b/misc/buttons.pptx
@@ -197,7 +197,7 @@
           <a:p>
             <a:fld id="{F93FD218-EFF3-40C5-866D-41D18BDC6D38}" type="datetimeFigureOut">
               <a:rPr lang="en-US" smtClean="0"/>
-              <a:t>4/13/2016</a:t>
+              <a:t>4/15/2016</a:t>
             </a:fld>
             <a:endParaRPr lang="en-US"/>
           </a:p>
@@ -680,7 +680,7 @@
           <a:p>
             <a:fld id="{1BE169FF-B685-44E8-A3F0-1FFDDF01A7C5}" type="datetimeFigureOut">
               <a:rPr lang="en-US" smtClean="0"/>
-              <a:t>4/13/2016</a:t>
+              <a:t>4/15/2016</a:t>
             </a:fld>
             <a:endParaRPr lang="en-US"/>
           </a:p>
@@ -850,7 +850,7 @@
           <a:p>
             <a:fld id="{1BE169FF-B685-44E8-A3F0-1FFDDF01A7C5}" type="datetimeFigureOut">
               <a:rPr lang="en-US" smtClean="0"/>
-              <a:t>4/13/2016</a:t>
+              <a:t>4/15/2016</a:t>
             </a:fld>
             <a:endParaRPr lang="en-US"/>
           </a:p>
@@ -1030,7 +1030,7 @@
           <a:p>
             <a:fld id="{1BE169FF-B685-44E8-A3F0-1FFDDF01A7C5}" type="datetimeFigureOut">
               <a:rPr lang="en-US" smtClean="0"/>
-              <a:t>4/13/2016</a:t>
+              <a:t>4/15/2016</a:t>
             </a:fld>
             <a:endParaRPr lang="en-US"/>
           </a:p>
@@ -1200,7 +1200,7 @@
           <a:p>
             <a:fld id="{1BE169FF-B685-44E8-A3F0-1FFDDF01A7C5}" type="datetimeFigureOut">
               <a:rPr lang="en-US" smtClean="0"/>
-              <a:t>4/13/2016</a:t>
+              <a:t>4/15/2016</a:t>
             </a:fld>
             <a:endParaRPr lang="en-US"/>
           </a:p>
@@ -1444,7 +1444,7 @@
           <a:p>
             <a:fld id="{1BE169FF-B685-44E8-A3F0-1FFDDF01A7C5}" type="datetimeFigureOut">
               <a:rPr lang="en-US" smtClean="0"/>
-              <a:t>4/13/2016</a:t>
+              <a:t>4/15/2016</a:t>
             </a:fld>
             <a:endParaRPr lang="en-US"/>
           </a:p>
@@ -1676,7 +1676,7 @@
           <a:p>
             <a:fld id="{1BE169FF-B685-44E8-A3F0-1FFDDF01A7C5}" type="datetimeFigureOut">
               <a:rPr lang="en-US" smtClean="0"/>
-              <a:t>4/13/2016</a:t>
+              <a:t>4/15/2016</a:t>
             </a:fld>
             <a:endParaRPr lang="en-US"/>
           </a:p>
@@ -2043,7 +2043,7 @@
           <a:p>
             <a:fld id="{1BE169FF-B685-44E8-A3F0-1FFDDF01A7C5}" type="datetimeFigureOut">
               <a:rPr lang="en-US" smtClean="0"/>
-              <a:t>4/13/2016</a:t>
+              <a:t>4/15/2016</a:t>
             </a:fld>
             <a:endParaRPr lang="en-US"/>
           </a:p>
@@ -2161,7 +2161,7 @@
           <a:p>
             <a:fld id="{1BE169FF-B685-44E8-A3F0-1FFDDF01A7C5}" type="datetimeFigureOut">
               <a:rPr lang="en-US" smtClean="0"/>
-              <a:t>4/13/2016</a:t>
+              <a:t>4/15/2016</a:t>
             </a:fld>
             <a:endParaRPr lang="en-US"/>
           </a:p>
@@ -2256,7 +2256,7 @@
           <a:p>
             <a:fld id="{1BE169FF-B685-44E8-A3F0-1FFDDF01A7C5}" type="datetimeFigureOut">
               <a:rPr lang="en-US" smtClean="0"/>
-              <a:t>4/13/2016</a:t>
+              <a:t>4/15/2016</a:t>
             </a:fld>
             <a:endParaRPr lang="en-US"/>
           </a:p>
@@ -2533,7 +2533,7 @@
           <a:p>
             <a:fld id="{1BE169FF-B685-44E8-A3F0-1FFDDF01A7C5}" type="datetimeFigureOut">
               <a:rPr lang="en-US" smtClean="0"/>
-              <a:t>4/13/2016</a:t>
+              <a:t>4/15/2016</a:t>
             </a:fld>
             <a:endParaRPr lang="en-US"/>
           </a:p>
@@ -2790,7 +2790,7 @@
           <a:p>
             <a:fld id="{1BE169FF-B685-44E8-A3F0-1FFDDF01A7C5}" type="datetimeFigureOut">
               <a:rPr lang="en-US" smtClean="0"/>
-              <a:t>4/13/2016</a:t>
+              <a:t>4/15/2016</a:t>
             </a:fld>
             <a:endParaRPr lang="en-US"/>
           </a:p>
@@ -3003,7 +3003,7 @@
           <a:p>
             <a:fld id="{1BE169FF-B685-44E8-A3F0-1FFDDF01A7C5}" type="datetimeFigureOut">
               <a:rPr lang="en-US" smtClean="0"/>
-              <a:t>4/13/2016</a:t>
+              <a:t>4/15/2016</a:t>
             </a:fld>
             <a:endParaRPr lang="en-US"/>
           </a:p>
@@ -3416,7 +3416,7 @@
         </p:nvSpPr>
         <p:spPr>
           <a:xfrm>
-            <a:off x="9062665" y="3202773"/>
+            <a:off x="10154494" y="3202773"/>
             <a:ext cx="1828800" cy="216246"/>
           </a:xfrm>
           <a:prstGeom prst="rect">
@@ -4017,7 +4017,7 @@
         </p:nvGrpSpPr>
         <p:grpSpPr>
           <a:xfrm>
-            <a:off x="11688353" y="2156379"/>
+            <a:off x="12780182" y="2156379"/>
             <a:ext cx="573024" cy="422209"/>
             <a:chOff x="41196856" y="2045721"/>
             <a:chExt cx="573024" cy="422209"/>
@@ -4188,7 +4188,7 @@
         </p:nvGrpSpPr>
         <p:grpSpPr>
           <a:xfrm>
-            <a:off x="12338969" y="1633773"/>
+            <a:off x="13430798" y="1633773"/>
             <a:ext cx="573024" cy="422209"/>
             <a:chOff x="41196856" y="1464402"/>
             <a:chExt cx="573024" cy="422209"/>
@@ -4301,7 +4301,7 @@
         </p:nvGrpSpPr>
         <p:grpSpPr>
           <a:xfrm>
-            <a:off x="12338969" y="2156379"/>
+            <a:off x="13430798" y="2156379"/>
             <a:ext cx="573024" cy="422209"/>
             <a:chOff x="41196856" y="2627040"/>
             <a:chExt cx="573024" cy="422209"/>
@@ -4414,7 +4414,7 @@
         </p:nvGrpSpPr>
         <p:grpSpPr>
           <a:xfrm>
-            <a:off x="12338969" y="3718893"/>
+            <a:off x="13430798" y="3718893"/>
             <a:ext cx="573024" cy="422209"/>
             <a:chOff x="41196856" y="4934878"/>
             <a:chExt cx="573024" cy="422209"/>
@@ -4525,7 +4525,7 @@
         </p:nvGrpSpPr>
         <p:grpSpPr>
           <a:xfrm>
-            <a:off x="11688353" y="3718893"/>
+            <a:off x="12780182" y="3718893"/>
             <a:ext cx="573024" cy="422209"/>
             <a:chOff x="41196856" y="3206260"/>
             <a:chExt cx="573024" cy="422209"/>
@@ -4694,7 +4694,7 @@
         </p:nvGrpSpPr>
         <p:grpSpPr>
           <a:xfrm>
-            <a:off x="11688353" y="2677726"/>
+            <a:off x="12780182" y="2677726"/>
             <a:ext cx="573024" cy="422209"/>
             <a:chOff x="41196856" y="3787579"/>
             <a:chExt cx="573024" cy="422209"/>
@@ -4865,7 +4865,7 @@
         </p:nvGrpSpPr>
         <p:grpSpPr>
           <a:xfrm>
-            <a:off x="11688353" y="3196287"/>
+            <a:off x="12780182" y="3196287"/>
             <a:ext cx="573024" cy="422209"/>
             <a:chOff x="41196856" y="4363350"/>
             <a:chExt cx="573024" cy="422209"/>
@@ -5031,7 +5031,7 @@
         </p:nvGrpSpPr>
         <p:grpSpPr>
           <a:xfrm>
-            <a:off x="11688353" y="1633773"/>
+            <a:off x="12780182" y="1633773"/>
             <a:ext cx="573024" cy="422209"/>
             <a:chOff x="41196856" y="6103065"/>
             <a:chExt cx="573024" cy="422209"/>
@@ -6462,7 +6462,7 @@
         </p:nvSpPr>
         <p:spPr>
           <a:xfrm>
-            <a:off x="9062665" y="1683050"/>
+            <a:off x="10154494" y="1683050"/>
             <a:ext cx="1828800" cy="199002"/>
           </a:xfrm>
           <a:prstGeom prst="rect">
@@ -6529,7 +6529,7 @@
         </p:nvSpPr>
         <p:spPr>
           <a:xfrm>
-            <a:off x="3985341" y="5571186"/>
+            <a:off x="3425798" y="5571186"/>
             <a:ext cx="1097280" cy="1097159"/>
           </a:xfrm>
           <a:prstGeom prst="ellipse">
@@ -7604,7 +7604,7 @@
         </p:nvGrpSpPr>
         <p:grpSpPr>
           <a:xfrm>
-            <a:off x="3713833" y="1215158"/>
+            <a:off x="3154290" y="1215158"/>
             <a:ext cx="822960" cy="822869"/>
             <a:chOff x="3713833" y="1215158"/>
             <a:chExt cx="822960" cy="822869"/>
@@ -7792,7 +7792,7 @@
         </p:nvGrpSpPr>
         <p:grpSpPr>
           <a:xfrm>
-            <a:off x="4595621" y="1215158"/>
+            <a:off x="4036078" y="1215158"/>
             <a:ext cx="822960" cy="822869"/>
             <a:chOff x="4595621" y="1215158"/>
             <a:chExt cx="822960" cy="822869"/>
@@ -7976,7 +7976,7 @@
         </p:nvGrpSpPr>
         <p:grpSpPr>
           <a:xfrm>
-            <a:off x="4595621" y="2088822"/>
+            <a:off x="4036078" y="2088822"/>
             <a:ext cx="822960" cy="822869"/>
             <a:chOff x="4595621" y="2088822"/>
             <a:chExt cx="822960" cy="822869"/>
@@ -8114,7 +8114,7 @@
         </p:nvGrpSpPr>
         <p:grpSpPr>
           <a:xfrm>
-            <a:off x="3712427" y="2088822"/>
+            <a:off x="3152884" y="2088822"/>
             <a:ext cx="822960" cy="822869"/>
             <a:chOff x="3712427" y="2088822"/>
             <a:chExt cx="822960" cy="822869"/>
@@ -8252,7 +8252,7 @@
         </p:nvGrpSpPr>
         <p:grpSpPr>
           <a:xfrm>
-            <a:off x="3711021" y="2968668"/>
+            <a:off x="3151478" y="2968668"/>
             <a:ext cx="822960" cy="826070"/>
             <a:chOff x="33292760" y="7218724"/>
             <a:chExt cx="822960" cy="826070"/>
@@ -8497,7 +8497,7 @@
         </p:nvGrpSpPr>
         <p:grpSpPr>
           <a:xfrm>
-            <a:off x="4580587" y="2967658"/>
+            <a:off x="4021044" y="2967658"/>
             <a:ext cx="822960" cy="822869"/>
             <a:chOff x="33320558" y="12336979"/>
             <a:chExt cx="822960" cy="822869"/>
@@ -9536,7 +9536,7 @@
         </p:nvGrpSpPr>
         <p:grpSpPr>
           <a:xfrm>
-            <a:off x="3692525" y="4719801"/>
+            <a:off x="3132982" y="4719801"/>
             <a:ext cx="822960" cy="822869"/>
             <a:chOff x="3692525" y="4719801"/>
             <a:chExt cx="822960" cy="822869"/>
@@ -10091,7 +10091,7 @@
         </p:nvGrpSpPr>
         <p:grpSpPr>
           <a:xfrm>
-            <a:off x="4575719" y="4719801"/>
+            <a:off x="4016176" y="4719801"/>
             <a:ext cx="822960" cy="822869"/>
             <a:chOff x="4575719" y="4719801"/>
             <a:chExt cx="822960" cy="822869"/>
@@ -10227,7 +10227,7 @@
         </p:nvGrpSpPr>
         <p:grpSpPr>
           <a:xfrm>
-            <a:off x="3693931" y="3846137"/>
+            <a:off x="3134388" y="3846137"/>
             <a:ext cx="822960" cy="822869"/>
             <a:chOff x="3693931" y="3846137"/>
             <a:chExt cx="822960" cy="822869"/>
@@ -10361,7 +10361,7 @@
         </p:nvGrpSpPr>
         <p:grpSpPr>
           <a:xfrm>
-            <a:off x="4575719" y="3846137"/>
+            <a:off x="4016176" y="3846137"/>
             <a:ext cx="822960" cy="822869"/>
             <a:chOff x="4575719" y="3846137"/>
             <a:chExt cx="822960" cy="822869"/>
@@ -11271,7 +11271,7 @@
         </p:nvGrpSpPr>
         <p:grpSpPr>
           <a:xfrm>
-            <a:off x="5809798" y="5750792"/>
+            <a:off x="6901627" y="5750792"/>
             <a:ext cx="1097280" cy="1083663"/>
             <a:chOff x="26251858" y="11606805"/>
             <a:chExt cx="822960" cy="822869"/>
@@ -11501,7 +11501,7 @@
         </p:nvGrpSpPr>
         <p:grpSpPr>
           <a:xfrm>
-            <a:off x="13308450" y="1231643"/>
+            <a:off x="14400279" y="1231643"/>
             <a:ext cx="739166" cy="3494452"/>
             <a:chOff x="12836058" y="29413655"/>
             <a:chExt cx="739166" cy="3494452"/>
@@ -11993,7 +11993,7 @@
         </p:nvGrpSpPr>
         <p:grpSpPr>
           <a:xfrm>
-            <a:off x="5809798" y="6920981"/>
+            <a:off x="6901627" y="6920981"/>
             <a:ext cx="1097280" cy="1083663"/>
             <a:chOff x="12164951" y="27745129"/>
             <a:chExt cx="1097280" cy="1083663"/>
@@ -12599,7 +12599,7 @@
         </p:nvGrpSpPr>
         <p:grpSpPr>
           <a:xfrm>
-            <a:off x="6995011" y="2954999"/>
+            <a:off x="8086840" y="2954999"/>
             <a:ext cx="822960" cy="822869"/>
             <a:chOff x="36159725" y="11214682"/>
             <a:chExt cx="822960" cy="822869"/>
@@ -12735,7 +12735,7 @@
         </p:nvSpPr>
         <p:spPr>
           <a:xfrm rot="5400000">
-            <a:off x="6572272" y="2287831"/>
+            <a:off x="7664101" y="2287831"/>
             <a:ext cx="242484" cy="213236"/>
           </a:xfrm>
           <a:prstGeom prst="rightArrow">
@@ -12787,7 +12787,7 @@
         </p:nvSpPr>
         <p:spPr>
           <a:xfrm>
-            <a:off x="6105444" y="2951918"/>
+            <a:off x="7197273" y="2951918"/>
             <a:ext cx="822960" cy="822869"/>
           </a:xfrm>
           <a:prstGeom prst="ellipse">
@@ -12870,7 +12870,7 @@
         </p:nvGrpSpPr>
         <p:grpSpPr>
           <a:xfrm>
-            <a:off x="6990288" y="3841422"/>
+            <a:off x="8082117" y="3841422"/>
             <a:ext cx="822960" cy="822869"/>
             <a:chOff x="11696419" y="30758538"/>
             <a:chExt cx="822960" cy="822869"/>
@@ -13006,7 +13006,7 @@
         </p:nvGrpSpPr>
         <p:grpSpPr>
           <a:xfrm>
-            <a:off x="6105444" y="3846826"/>
+            <a:off x="7197273" y="3846826"/>
             <a:ext cx="822960" cy="822869"/>
             <a:chOff x="11696419" y="29850181"/>
             <a:chExt cx="822960" cy="822869"/>
@@ -13140,7 +13140,7 @@
         </p:nvGrpSpPr>
         <p:grpSpPr>
           <a:xfrm>
-            <a:off x="7033070" y="6920981"/>
+            <a:off x="8124899" y="6920981"/>
             <a:ext cx="1097280" cy="1083663"/>
             <a:chOff x="26183498" y="28407876"/>
             <a:chExt cx="1097280" cy="1083663"/>
@@ -13672,7 +13672,7 @@
         </p:nvGrpSpPr>
         <p:grpSpPr>
           <a:xfrm>
-            <a:off x="7033070" y="5721835"/>
+            <a:off x="8124899" y="5721835"/>
             <a:ext cx="1097280" cy="1083663"/>
             <a:chOff x="26210079" y="23915036"/>
             <a:chExt cx="1097280" cy="1083663"/>
@@ -13802,7 +13802,7 @@
         </p:nvGrpSpPr>
         <p:grpSpPr>
           <a:xfrm>
-            <a:off x="6998568" y="4718086"/>
+            <a:off x="8090397" y="4718086"/>
             <a:ext cx="822960" cy="822869"/>
             <a:chOff x="28343074" y="22419332"/>
             <a:chExt cx="822960" cy="822869"/>
@@ -14036,7 +14036,7 @@
         </p:nvGrpSpPr>
         <p:grpSpPr>
           <a:xfrm>
-            <a:off x="6087574" y="4718086"/>
+            <a:off x="7179403" y="4718086"/>
             <a:ext cx="822960" cy="822869"/>
             <a:chOff x="27461286" y="22419332"/>
             <a:chExt cx="822960" cy="822869"/>
@@ -14505,7 +14505,7 @@
         </p:nvGrpSpPr>
         <p:grpSpPr>
           <a:xfrm>
-            <a:off x="9292575" y="6144767"/>
+            <a:off x="10384404" y="6144767"/>
             <a:ext cx="1286855" cy="844925"/>
             <a:chOff x="27617447" y="22991284"/>
             <a:chExt cx="1286855" cy="844925"/>
@@ -14823,7 +14823,7 @@
         </p:nvGrpSpPr>
         <p:grpSpPr>
           <a:xfrm>
-            <a:off x="12338969" y="2685513"/>
+            <a:off x="13430798" y="2685513"/>
             <a:ext cx="573024" cy="422209"/>
             <a:chOff x="41196856" y="2627040"/>
             <a:chExt cx="573024" cy="422209"/>
@@ -14937,7 +14937,7 @@
         </p:nvGrpSpPr>
         <p:grpSpPr>
           <a:xfrm>
-            <a:off x="12338969" y="3202773"/>
+            <a:off x="13430798" y="3202773"/>
             <a:ext cx="573024" cy="422209"/>
             <a:chOff x="41196856" y="2627040"/>
             <a:chExt cx="573024" cy="422209"/>
@@ -15046,7 +15046,7 @@
         </p:nvSpPr>
         <p:spPr>
           <a:xfrm>
-            <a:off x="10997563" y="4893406"/>
+            <a:off x="12089392" y="4893406"/>
             <a:ext cx="1828800" cy="1828800"/>
           </a:xfrm>
           <a:prstGeom prst="ellipse">
@@ -15113,7 +15113,7 @@
         </p:nvSpPr>
         <p:spPr>
           <a:xfrm>
-            <a:off x="12931437" y="4895630"/>
+            <a:off x="14023266" y="4895630"/>
             <a:ext cx="1828800" cy="1828800"/>
           </a:xfrm>
           <a:prstGeom prst="ellipse">
@@ -15181,7 +15181,7 @@
         </p:nvGrpSpPr>
         <p:grpSpPr>
           <a:xfrm>
-            <a:off x="3714779" y="1215515"/>
+            <a:off x="3155236" y="1215515"/>
             <a:ext cx="822960" cy="822869"/>
             <a:chOff x="3713833" y="1215158"/>
             <a:chExt cx="822960" cy="822869"/>
@@ -15369,7 +15369,7 @@
         </p:nvGrpSpPr>
         <p:grpSpPr>
           <a:xfrm>
-            <a:off x="4596567" y="1215515"/>
+            <a:off x="4037024" y="1215515"/>
             <a:ext cx="822960" cy="822869"/>
             <a:chOff x="4595621" y="1215158"/>
             <a:chExt cx="822960" cy="822869"/>
@@ -15553,7 +15553,7 @@
         </p:nvGrpSpPr>
         <p:grpSpPr>
           <a:xfrm>
-            <a:off x="4596567" y="2089179"/>
+            <a:off x="4037024" y="2089179"/>
             <a:ext cx="822960" cy="822869"/>
             <a:chOff x="4595621" y="2088822"/>
             <a:chExt cx="822960" cy="822869"/>
@@ -15691,7 +15691,7 @@
         </p:nvGrpSpPr>
         <p:grpSpPr>
           <a:xfrm>
-            <a:off x="3713373" y="2089179"/>
+            <a:off x="3153830" y="2089179"/>
             <a:ext cx="822960" cy="822869"/>
             <a:chOff x="3712427" y="2088822"/>
             <a:chExt cx="822960" cy="822869"/>
@@ -15829,7 +15829,7 @@
         </p:nvGrpSpPr>
         <p:grpSpPr>
           <a:xfrm>
-            <a:off x="3713748" y="1215515"/>
+            <a:off x="3154205" y="1215515"/>
             <a:ext cx="822960" cy="822869"/>
             <a:chOff x="3713833" y="1215158"/>
             <a:chExt cx="822960" cy="822869"/>
@@ -16017,7 +16017,7 @@
         </p:nvGrpSpPr>
         <p:grpSpPr>
           <a:xfrm>
-            <a:off x="4595536" y="1215515"/>
+            <a:off x="4035993" y="1215515"/>
             <a:ext cx="822960" cy="822869"/>
             <a:chOff x="4595621" y="1215158"/>
             <a:chExt cx="822960" cy="822869"/>
@@ -16201,7 +16201,7 @@
         </p:nvGrpSpPr>
         <p:grpSpPr>
           <a:xfrm>
-            <a:off x="4595536" y="2089179"/>
+            <a:off x="4035993" y="2089179"/>
             <a:ext cx="822960" cy="822869"/>
             <a:chOff x="4595621" y="2088822"/>
             <a:chExt cx="822960" cy="822869"/>
@@ -16339,7 +16339,7 @@
         </p:nvGrpSpPr>
         <p:grpSpPr>
           <a:xfrm>
-            <a:off x="3712342" y="2089179"/>
+            <a:off x="3152799" y="2089179"/>
             <a:ext cx="822960" cy="822869"/>
             <a:chOff x="3712427" y="2088822"/>
             <a:chExt cx="822960" cy="822869"/>
@@ -16477,7 +16477,7 @@
         </p:nvGrpSpPr>
         <p:grpSpPr>
           <a:xfrm>
-            <a:off x="6992010" y="3841952"/>
+            <a:off x="8083839" y="3841952"/>
             <a:ext cx="822960" cy="822869"/>
             <a:chOff x="11696419" y="30758538"/>
             <a:chExt cx="822960" cy="822869"/>
@@ -16613,7 +16613,7 @@
         </p:nvGrpSpPr>
         <p:grpSpPr>
           <a:xfrm>
-            <a:off x="6107166" y="3847356"/>
+            <a:off x="7198995" y="3847356"/>
             <a:ext cx="822960" cy="822869"/>
             <a:chOff x="11696419" y="29850181"/>
             <a:chExt cx="822960" cy="822869"/>
@@ -16747,7 +16747,7 @@
         </p:nvGrpSpPr>
         <p:grpSpPr>
           <a:xfrm>
-            <a:off x="7000290" y="4718616"/>
+            <a:off x="8092119" y="4718616"/>
             <a:ext cx="822960" cy="822869"/>
             <a:chOff x="28343074" y="22419332"/>
             <a:chExt cx="822960" cy="822869"/>
@@ -16981,7 +16981,7 @@
         </p:nvGrpSpPr>
         <p:grpSpPr>
           <a:xfrm>
-            <a:off x="6089296" y="4718616"/>
+            <a:off x="7181125" y="4718616"/>
             <a:ext cx="822960" cy="822869"/>
             <a:chOff x="27461286" y="22419332"/>
             <a:chExt cx="822960" cy="822869"/>
@@ -17450,7 +17450,7 @@
         </p:nvGrpSpPr>
         <p:grpSpPr>
           <a:xfrm>
-            <a:off x="6995114" y="2954999"/>
+            <a:off x="8086943" y="2954999"/>
             <a:ext cx="822960" cy="822869"/>
             <a:chOff x="36159725" y="11214682"/>
             <a:chExt cx="822960" cy="822869"/>
@@ -17586,7 +17586,7 @@
         </p:nvGrpSpPr>
         <p:grpSpPr>
           <a:xfrm>
-            <a:off x="6992113" y="3841952"/>
+            <a:off x="8083942" y="3841952"/>
             <a:ext cx="822960" cy="822869"/>
             <a:chOff x="11696419" y="30758538"/>
             <a:chExt cx="822960" cy="822869"/>
@@ -17722,7 +17722,7 @@
         </p:nvGrpSpPr>
         <p:grpSpPr>
           <a:xfrm>
-            <a:off x="6107269" y="3847356"/>
+            <a:off x="7199098" y="3847356"/>
             <a:ext cx="822960" cy="822869"/>
             <a:chOff x="11696419" y="29850181"/>
             <a:chExt cx="822960" cy="822869"/>
@@ -17856,7 +17856,7 @@
         </p:nvGrpSpPr>
         <p:grpSpPr>
           <a:xfrm>
-            <a:off x="7000393" y="4718616"/>
+            <a:off x="8092222" y="4718616"/>
             <a:ext cx="822960" cy="822869"/>
             <a:chOff x="28343074" y="22419332"/>
             <a:chExt cx="822960" cy="822869"/>
@@ -18090,7 +18090,7 @@
         </p:nvGrpSpPr>
         <p:grpSpPr>
           <a:xfrm>
-            <a:off x="6089399" y="4718616"/>
+            <a:off x="7181228" y="4718616"/>
             <a:ext cx="822960" cy="822869"/>
             <a:chOff x="27461286" y="22419332"/>
             <a:chExt cx="822960" cy="822869"/>
@@ -18559,7 +18559,7 @@
         </p:nvGrpSpPr>
         <p:grpSpPr>
           <a:xfrm>
-            <a:off x="6115223" y="2041257"/>
+            <a:off x="7207052" y="2041257"/>
             <a:ext cx="822960" cy="822869"/>
             <a:chOff x="6133424" y="1232057"/>
             <a:chExt cx="822960" cy="822869"/>
@@ -18797,7 +18797,7 @@
         </p:nvSpPr>
         <p:spPr>
           <a:xfrm>
-            <a:off x="6105040" y="2954163"/>
+            <a:off x="7196869" y="2954163"/>
             <a:ext cx="822960" cy="822869"/>
           </a:xfrm>
           <a:prstGeom prst="ellipse">
@@ -18880,7 +18880,7 @@
         </p:nvGrpSpPr>
         <p:grpSpPr>
           <a:xfrm>
-            <a:off x="6994710" y="2957244"/>
+            <a:off x="8086539" y="2957244"/>
             <a:ext cx="822960" cy="822869"/>
             <a:chOff x="36159725" y="11214682"/>
             <a:chExt cx="822960" cy="822869"/>
@@ -19016,7 +19016,7 @@
         </p:nvGrpSpPr>
         <p:grpSpPr>
           <a:xfrm>
-            <a:off x="6991709" y="3844197"/>
+            <a:off x="8083538" y="3844197"/>
             <a:ext cx="822960" cy="822869"/>
             <a:chOff x="11696419" y="30758538"/>
             <a:chExt cx="822960" cy="822869"/>
@@ -19152,7 +19152,7 @@
         </p:nvGrpSpPr>
         <p:grpSpPr>
           <a:xfrm>
-            <a:off x="6106865" y="3849601"/>
+            <a:off x="7198694" y="3849601"/>
             <a:ext cx="822960" cy="822869"/>
             <a:chOff x="11696419" y="29850181"/>
             <a:chExt cx="822960" cy="822869"/>
@@ -19286,7 +19286,7 @@
         </p:nvGrpSpPr>
         <p:grpSpPr>
           <a:xfrm>
-            <a:off x="6999989" y="4720861"/>
+            <a:off x="8091818" y="4720861"/>
             <a:ext cx="822960" cy="822869"/>
             <a:chOff x="28343074" y="22419332"/>
             <a:chExt cx="822960" cy="822869"/>
@@ -19520,7 +19520,7 @@
         </p:nvGrpSpPr>
         <p:grpSpPr>
           <a:xfrm>
-            <a:off x="6088995" y="4720861"/>
+            <a:off x="7180824" y="4720861"/>
             <a:ext cx="822960" cy="822869"/>
             <a:chOff x="27461286" y="22419332"/>
             <a:chExt cx="822960" cy="822869"/>
@@ -19989,7 +19989,7 @@
         </p:nvGrpSpPr>
         <p:grpSpPr>
           <a:xfrm>
-            <a:off x="6115232" y="2040842"/>
+            <a:off x="7207061" y="2040842"/>
             <a:ext cx="822960" cy="822869"/>
             <a:chOff x="6133424" y="1232057"/>
             <a:chExt cx="822960" cy="822869"/>
@@ -20227,7 +20227,7 @@
         </p:nvSpPr>
         <p:spPr>
           <a:xfrm>
-            <a:off x="6105049" y="2953748"/>
+            <a:off x="7196878" y="2953748"/>
             <a:ext cx="822960" cy="822869"/>
           </a:xfrm>
           <a:prstGeom prst="ellipse">
@@ -20310,7 +20310,7 @@
         </p:nvGrpSpPr>
         <p:grpSpPr>
           <a:xfrm>
-            <a:off x="6994719" y="2956829"/>
+            <a:off x="8086548" y="2956829"/>
             <a:ext cx="822960" cy="822869"/>
             <a:chOff x="36159725" y="11214682"/>
             <a:chExt cx="822960" cy="822869"/>
@@ -20446,7 +20446,7 @@
         </p:nvGrpSpPr>
         <p:grpSpPr>
           <a:xfrm>
-            <a:off x="6991718" y="3843782"/>
+            <a:off x="8083547" y="3843782"/>
             <a:ext cx="822960" cy="822869"/>
             <a:chOff x="11696419" y="30758538"/>
             <a:chExt cx="822960" cy="822869"/>
@@ -20582,7 +20582,7 @@
         </p:nvGrpSpPr>
         <p:grpSpPr>
           <a:xfrm>
-            <a:off x="7034666" y="2062146"/>
+            <a:off x="8126495" y="2062146"/>
             <a:ext cx="822960" cy="828354"/>
             <a:chOff x="16464731" y="8625669"/>
             <a:chExt cx="822960" cy="828354"/>
@@ -20760,7 +20760,7 @@
         </p:nvGrpSpPr>
         <p:grpSpPr>
           <a:xfrm>
-            <a:off x="6092432" y="1182510"/>
+            <a:off x="7184261" y="1182510"/>
             <a:ext cx="822960" cy="828354"/>
             <a:chOff x="16441300" y="4845155"/>
             <a:chExt cx="822960" cy="828354"/>
@@ -20906,7 +20906,7 @@
         </p:nvGrpSpPr>
         <p:grpSpPr>
           <a:xfrm>
-            <a:off x="6310537" y="1184311"/>
+            <a:off x="7402366" y="1184311"/>
             <a:ext cx="2212139" cy="1153562"/>
             <a:chOff x="23396349" y="2056620"/>
             <a:chExt cx="2212139" cy="1153562"/>

--- a/misc/buttons.pptx
+++ b/misc/buttons.pptx
@@ -197,7 +197,7 @@
           <a:p>
             <a:fld id="{F93FD218-EFF3-40C5-866D-41D18BDC6D38}" type="datetimeFigureOut">
               <a:rPr lang="en-US" smtClean="0"/>
-              <a:t>4/15/2016</a:t>
+              <a:t>4/18/2016</a:t>
             </a:fld>
             <a:endParaRPr lang="en-US"/>
           </a:p>
@@ -680,7 +680,7 @@
           <a:p>
             <a:fld id="{1BE169FF-B685-44E8-A3F0-1FFDDF01A7C5}" type="datetimeFigureOut">
               <a:rPr lang="en-US" smtClean="0"/>
-              <a:t>4/15/2016</a:t>
+              <a:t>4/18/2016</a:t>
             </a:fld>
             <a:endParaRPr lang="en-US"/>
           </a:p>
@@ -850,7 +850,7 @@
           <a:p>
             <a:fld id="{1BE169FF-B685-44E8-A3F0-1FFDDF01A7C5}" type="datetimeFigureOut">
               <a:rPr lang="en-US" smtClean="0"/>
-              <a:t>4/15/2016</a:t>
+              <a:t>4/18/2016</a:t>
             </a:fld>
             <a:endParaRPr lang="en-US"/>
           </a:p>
@@ -1030,7 +1030,7 @@
           <a:p>
             <a:fld id="{1BE169FF-B685-44E8-A3F0-1FFDDF01A7C5}" type="datetimeFigureOut">
               <a:rPr lang="en-US" smtClean="0"/>
-              <a:t>4/15/2016</a:t>
+              <a:t>4/18/2016</a:t>
             </a:fld>
             <a:endParaRPr lang="en-US"/>
           </a:p>
@@ -1200,7 +1200,7 @@
           <a:p>
             <a:fld id="{1BE169FF-B685-44E8-A3F0-1FFDDF01A7C5}" type="datetimeFigureOut">
               <a:rPr lang="en-US" smtClean="0"/>
-              <a:t>4/15/2016</a:t>
+              <a:t>4/18/2016</a:t>
             </a:fld>
             <a:endParaRPr lang="en-US"/>
           </a:p>
@@ -1444,7 +1444,7 @@
           <a:p>
             <a:fld id="{1BE169FF-B685-44E8-A3F0-1FFDDF01A7C5}" type="datetimeFigureOut">
               <a:rPr lang="en-US" smtClean="0"/>
-              <a:t>4/15/2016</a:t>
+              <a:t>4/18/2016</a:t>
             </a:fld>
             <a:endParaRPr lang="en-US"/>
           </a:p>
@@ -1676,7 +1676,7 @@
           <a:p>
             <a:fld id="{1BE169FF-B685-44E8-A3F0-1FFDDF01A7C5}" type="datetimeFigureOut">
               <a:rPr lang="en-US" smtClean="0"/>
-              <a:t>4/15/2016</a:t>
+              <a:t>4/18/2016</a:t>
             </a:fld>
             <a:endParaRPr lang="en-US"/>
           </a:p>
@@ -2043,7 +2043,7 @@
           <a:p>
             <a:fld id="{1BE169FF-B685-44E8-A3F0-1FFDDF01A7C5}" type="datetimeFigureOut">
               <a:rPr lang="en-US" smtClean="0"/>
-              <a:t>4/15/2016</a:t>
+              <a:t>4/18/2016</a:t>
             </a:fld>
             <a:endParaRPr lang="en-US"/>
           </a:p>
@@ -2161,7 +2161,7 @@
           <a:p>
             <a:fld id="{1BE169FF-B685-44E8-A3F0-1FFDDF01A7C5}" type="datetimeFigureOut">
               <a:rPr lang="en-US" smtClean="0"/>
-              <a:t>4/15/2016</a:t>
+              <a:t>4/18/2016</a:t>
             </a:fld>
             <a:endParaRPr lang="en-US"/>
           </a:p>
@@ -2256,7 +2256,7 @@
           <a:p>
             <a:fld id="{1BE169FF-B685-44E8-A3F0-1FFDDF01A7C5}" type="datetimeFigureOut">
               <a:rPr lang="en-US" smtClean="0"/>
-              <a:t>4/15/2016</a:t>
+              <a:t>4/18/2016</a:t>
             </a:fld>
             <a:endParaRPr lang="en-US"/>
           </a:p>
@@ -2533,7 +2533,7 @@
           <a:p>
             <a:fld id="{1BE169FF-B685-44E8-A3F0-1FFDDF01A7C5}" type="datetimeFigureOut">
               <a:rPr lang="en-US" smtClean="0"/>
-              <a:t>4/15/2016</a:t>
+              <a:t>4/18/2016</a:t>
             </a:fld>
             <a:endParaRPr lang="en-US"/>
           </a:p>
@@ -2790,7 +2790,7 @@
           <a:p>
             <a:fld id="{1BE169FF-B685-44E8-A3F0-1FFDDF01A7C5}" type="datetimeFigureOut">
               <a:rPr lang="en-US" smtClean="0"/>
-              <a:t>4/15/2016</a:t>
+              <a:t>4/18/2016</a:t>
             </a:fld>
             <a:endParaRPr lang="en-US"/>
           </a:p>
@@ -3003,7 +3003,7 @@
           <a:p>
             <a:fld id="{1BE169FF-B685-44E8-A3F0-1FFDDF01A7C5}" type="datetimeFigureOut">
               <a:rPr lang="en-US" smtClean="0"/>
-              <a:t>4/15/2016</a:t>
+              <a:t>4/18/2016</a:t>
             </a:fld>
             <a:endParaRPr lang="en-US"/>
           </a:p>
@@ -9329,7 +9329,7 @@
           </p:nvSpPr>
           <p:spPr>
             <a:xfrm>
-              <a:off x="31135777" y="13936479"/>
+              <a:off x="31135777" y="13957499"/>
               <a:ext cx="1097280" cy="440742"/>
             </a:xfrm>
             <a:prstGeom prst="rect">
@@ -9370,7 +9370,7 @@
                   </a:solidFill>
                   <a:latin typeface="BrownBagLunch" panose="02000603000000000000" pitchFamily="2" charset="0"/>
                 </a:rPr>
-                <a:t>QUIT</a:t>
+                <a:t>CLEAR</a:t>
               </a:r>
               <a:endParaRPr lang="en-US" sz="1800" dirty="0">
                 <a:solidFill>

--- a/misc/buttons.pptx
+++ b/misc/buttons.pptx
@@ -197,7 +197,7 @@
           <a:p>
             <a:fld id="{F93FD218-EFF3-40C5-866D-41D18BDC6D38}" type="datetimeFigureOut">
               <a:rPr lang="en-US" smtClean="0"/>
-              <a:t>4/23/2016</a:t>
+              <a:t>4/24/2016</a:t>
             </a:fld>
             <a:endParaRPr lang="en-US"/>
           </a:p>
@@ -680,7 +680,7 @@
           <a:p>
             <a:fld id="{1BE169FF-B685-44E8-A3F0-1FFDDF01A7C5}" type="datetimeFigureOut">
               <a:rPr lang="en-US" smtClean="0"/>
-              <a:t>4/23/2016</a:t>
+              <a:t>4/24/2016</a:t>
             </a:fld>
             <a:endParaRPr lang="en-US"/>
           </a:p>
@@ -850,7 +850,7 @@
           <a:p>
             <a:fld id="{1BE169FF-B685-44E8-A3F0-1FFDDF01A7C5}" type="datetimeFigureOut">
               <a:rPr lang="en-US" smtClean="0"/>
-              <a:t>4/23/2016</a:t>
+              <a:t>4/24/2016</a:t>
             </a:fld>
             <a:endParaRPr lang="en-US"/>
           </a:p>
@@ -1030,7 +1030,7 @@
           <a:p>
             <a:fld id="{1BE169FF-B685-44E8-A3F0-1FFDDF01A7C5}" type="datetimeFigureOut">
               <a:rPr lang="en-US" smtClean="0"/>
-              <a:t>4/23/2016</a:t>
+              <a:t>4/24/2016</a:t>
             </a:fld>
             <a:endParaRPr lang="en-US"/>
           </a:p>
@@ -1200,7 +1200,7 @@
           <a:p>
             <a:fld id="{1BE169FF-B685-44E8-A3F0-1FFDDF01A7C5}" type="datetimeFigureOut">
               <a:rPr lang="en-US" smtClean="0"/>
-              <a:t>4/23/2016</a:t>
+              <a:t>4/24/2016</a:t>
             </a:fld>
             <a:endParaRPr lang="en-US"/>
           </a:p>
@@ -1444,7 +1444,7 @@
           <a:p>
             <a:fld id="{1BE169FF-B685-44E8-A3F0-1FFDDF01A7C5}" type="datetimeFigureOut">
               <a:rPr lang="en-US" smtClean="0"/>
-              <a:t>4/23/2016</a:t>
+              <a:t>4/24/2016</a:t>
             </a:fld>
             <a:endParaRPr lang="en-US"/>
           </a:p>
@@ -1676,7 +1676,7 @@
           <a:p>
             <a:fld id="{1BE169FF-B685-44E8-A3F0-1FFDDF01A7C5}" type="datetimeFigureOut">
               <a:rPr lang="en-US" smtClean="0"/>
-              <a:t>4/23/2016</a:t>
+              <a:t>4/24/2016</a:t>
             </a:fld>
             <a:endParaRPr lang="en-US"/>
           </a:p>
@@ -2043,7 +2043,7 @@
           <a:p>
             <a:fld id="{1BE169FF-B685-44E8-A3F0-1FFDDF01A7C5}" type="datetimeFigureOut">
               <a:rPr lang="en-US" smtClean="0"/>
-              <a:t>4/23/2016</a:t>
+              <a:t>4/24/2016</a:t>
             </a:fld>
             <a:endParaRPr lang="en-US"/>
           </a:p>
@@ -2161,7 +2161,7 @@
           <a:p>
             <a:fld id="{1BE169FF-B685-44E8-A3F0-1FFDDF01A7C5}" type="datetimeFigureOut">
               <a:rPr lang="en-US" smtClean="0"/>
-              <a:t>4/23/2016</a:t>
+              <a:t>4/24/2016</a:t>
             </a:fld>
             <a:endParaRPr lang="en-US"/>
           </a:p>
@@ -2256,7 +2256,7 @@
           <a:p>
             <a:fld id="{1BE169FF-B685-44E8-A3F0-1FFDDF01A7C5}" type="datetimeFigureOut">
               <a:rPr lang="en-US" smtClean="0"/>
-              <a:t>4/23/2016</a:t>
+              <a:t>4/24/2016</a:t>
             </a:fld>
             <a:endParaRPr lang="en-US"/>
           </a:p>
@@ -2533,7 +2533,7 @@
           <a:p>
             <a:fld id="{1BE169FF-B685-44E8-A3F0-1FFDDF01A7C5}" type="datetimeFigureOut">
               <a:rPr lang="en-US" smtClean="0"/>
-              <a:t>4/23/2016</a:t>
+              <a:t>4/24/2016</a:t>
             </a:fld>
             <a:endParaRPr lang="en-US"/>
           </a:p>
@@ -2790,7 +2790,7 @@
           <a:p>
             <a:fld id="{1BE169FF-B685-44E8-A3F0-1FFDDF01A7C5}" type="datetimeFigureOut">
               <a:rPr lang="en-US" smtClean="0"/>
-              <a:t>4/23/2016</a:t>
+              <a:t>4/24/2016</a:t>
             </a:fld>
             <a:endParaRPr lang="en-US"/>
           </a:p>
@@ -3003,7 +3003,7 @@
           <a:p>
             <a:fld id="{1BE169FF-B685-44E8-A3F0-1FFDDF01A7C5}" type="datetimeFigureOut">
               <a:rPr lang="en-US" smtClean="0"/>
-              <a:t>4/23/2016</a:t>
+              <a:t>4/24/2016</a:t>
             </a:fld>
             <a:endParaRPr lang="en-US"/>
           </a:p>
@@ -59014,6 +59014,2302 @@
           </a:p>
         </p:txBody>
       </p:sp>
+      <p:grpSp>
+        <p:nvGrpSpPr>
+          <p:cNvPr id="7" name="Group 6"/>
+          <p:cNvGrpSpPr/>
+          <p:nvPr/>
+        </p:nvGrpSpPr>
+        <p:grpSpPr>
+          <a:xfrm>
+            <a:off x="20084758" y="1149306"/>
+            <a:ext cx="1402911" cy="970699"/>
+            <a:chOff x="20265805" y="3422704"/>
+            <a:chExt cx="1402911" cy="970699"/>
+          </a:xfrm>
+        </p:grpSpPr>
+        <p:sp>
+          <p:nvSpPr>
+            <p:cNvPr id="1263" name="Rectangle 1262"/>
+            <p:cNvSpPr/>
+            <p:nvPr/>
+          </p:nvSpPr>
+          <p:spPr>
+            <a:xfrm>
+              <a:off x="20325080" y="3422704"/>
+              <a:ext cx="1291558" cy="970699"/>
+            </a:xfrm>
+            <a:prstGeom prst="rect">
+              <a:avLst/>
+            </a:prstGeom>
+            <a:solidFill>
+              <a:schemeClr val="accent5">
+                <a:lumMod val="40000"/>
+                <a:lumOff val="60000"/>
+              </a:schemeClr>
+            </a:solidFill>
+            <a:ln w="22225">
+              <a:noFill/>
+            </a:ln>
+            <a:effectLst/>
+          </p:spPr>
+          <p:style>
+            <a:lnRef idx="2">
+              <a:schemeClr val="accent1">
+                <a:shade val="50000"/>
+              </a:schemeClr>
+            </a:lnRef>
+            <a:fillRef idx="1">
+              <a:schemeClr val="accent1"/>
+            </a:fillRef>
+            <a:effectRef idx="0">
+              <a:schemeClr val="accent1"/>
+            </a:effectRef>
+            <a:fontRef idx="minor">
+              <a:schemeClr val="lt1"/>
+            </a:fontRef>
+          </p:style>
+          <p:txBody>
+            <a:bodyPr rtlCol="0" anchor="ctr"/>
+            <a:lstStyle/>
+            <a:p>
+              <a:pPr algn="ctr"/>
+              <a:endParaRPr lang="en-US">
+                <a:solidFill>
+                  <a:schemeClr val="accent5">
+                    <a:lumMod val="75000"/>
+                  </a:schemeClr>
+                </a:solidFill>
+              </a:endParaRPr>
+            </a:p>
+          </p:txBody>
+        </p:sp>
+        <p:sp>
+          <p:nvSpPr>
+            <p:cNvPr id="1291" name="Rectangle 1290"/>
+            <p:cNvSpPr/>
+            <p:nvPr/>
+          </p:nvSpPr>
+          <p:spPr>
+            <a:xfrm>
+              <a:off x="20265805" y="3422704"/>
+              <a:ext cx="1402911" cy="440742"/>
+            </a:xfrm>
+            <a:prstGeom prst="rect">
+              <a:avLst/>
+            </a:prstGeom>
+            <a:noFill/>
+            <a:ln>
+              <a:noFill/>
+            </a:ln>
+          </p:spPr>
+          <p:style>
+            <a:lnRef idx="2">
+              <a:schemeClr val="accent1">
+                <a:shade val="50000"/>
+              </a:schemeClr>
+            </a:lnRef>
+            <a:fillRef idx="1">
+              <a:schemeClr val="accent1"/>
+            </a:fillRef>
+            <a:effectRef idx="0">
+              <a:schemeClr val="accent1"/>
+            </a:effectRef>
+            <a:fontRef idx="minor">
+              <a:schemeClr val="lt1"/>
+            </a:fontRef>
+          </p:style>
+          <p:txBody>
+            <a:bodyPr rtlCol="0" anchor="ctr"/>
+            <a:lstStyle/>
+            <a:p>
+              <a:pPr algn="ctr"/>
+              <a:r>
+                <a:rPr lang="en-US" sz="1800" dirty="0" smtClean="0">
+                  <a:solidFill>
+                    <a:schemeClr val="accent5">
+                      <a:lumMod val="75000"/>
+                    </a:schemeClr>
+                  </a:solidFill>
+                  <a:latin typeface="BrownBagLunch" panose="02000603000000000000" pitchFamily="2" charset="0"/>
+                </a:rPr>
+                <a:t>PLEASE ROTATE SCREEN</a:t>
+              </a:r>
+              <a:endParaRPr lang="en-US" sz="1800" dirty="0">
+                <a:solidFill>
+                  <a:schemeClr val="accent5">
+                    <a:lumMod val="75000"/>
+                  </a:schemeClr>
+                </a:solidFill>
+                <a:latin typeface="BrownBagLunch" panose="02000603000000000000" pitchFamily="2" charset="0"/>
+              </a:endParaRPr>
+            </a:p>
+          </p:txBody>
+        </p:sp>
+        <p:grpSp>
+          <p:nvGrpSpPr>
+            <p:cNvPr id="2" name="Group 1"/>
+            <p:cNvGrpSpPr/>
+            <p:nvPr/>
+          </p:nvGrpSpPr>
+          <p:grpSpPr>
+            <a:xfrm>
+              <a:off x="20771692" y="4004124"/>
+              <a:ext cx="396810" cy="334654"/>
+              <a:chOff x="20771692" y="4010753"/>
+              <a:chExt cx="396810" cy="334654"/>
+            </a:xfrm>
+          </p:grpSpPr>
+          <p:sp>
+            <p:nvSpPr>
+              <p:cNvPr id="1261" name="Arc 1260"/>
+              <p:cNvSpPr/>
+              <p:nvPr/>
+            </p:nvSpPr>
+            <p:spPr>
+              <a:xfrm flipV="1">
+                <a:off x="20807252" y="4010753"/>
+                <a:ext cx="361250" cy="330850"/>
+              </a:xfrm>
+              <a:prstGeom prst="arc">
+                <a:avLst>
+                  <a:gd name="adj1" fmla="val 8593773"/>
+                  <a:gd name="adj2" fmla="val 16474770"/>
+                </a:avLst>
+              </a:prstGeom>
+              <a:noFill/>
+              <a:ln w="41275">
+                <a:solidFill>
+                  <a:schemeClr val="accent5">
+                    <a:lumMod val="75000"/>
+                  </a:schemeClr>
+                </a:solidFill>
+                <a:tailEnd type="triangle" w="med" len="med"/>
+              </a:ln>
+            </p:spPr>
+            <p:style>
+              <a:lnRef idx="2">
+                <a:schemeClr val="accent1">
+                  <a:shade val="50000"/>
+                </a:schemeClr>
+              </a:lnRef>
+              <a:fillRef idx="1">
+                <a:schemeClr val="accent1"/>
+              </a:fillRef>
+              <a:effectRef idx="0">
+                <a:schemeClr val="accent1"/>
+              </a:effectRef>
+              <a:fontRef idx="minor">
+                <a:schemeClr val="lt1"/>
+              </a:fontRef>
+            </p:style>
+            <p:txBody>
+              <a:bodyPr rtlCol="0" anchor="ctr"/>
+              <a:lstStyle/>
+              <a:p>
+                <a:pPr algn="ctr"/>
+                <a:endParaRPr lang="en-US">
+                  <a:solidFill>
+                    <a:schemeClr val="accent5">
+                      <a:lumMod val="75000"/>
+                    </a:schemeClr>
+                  </a:solidFill>
+                </a:endParaRPr>
+              </a:p>
+            </p:txBody>
+          </p:sp>
+          <p:sp>
+            <p:nvSpPr>
+              <p:cNvPr id="1468" name="Arc 1467"/>
+              <p:cNvSpPr/>
+              <p:nvPr/>
+            </p:nvSpPr>
+            <p:spPr>
+              <a:xfrm flipH="1">
+                <a:off x="20771692" y="4028265"/>
+                <a:ext cx="361250" cy="317142"/>
+              </a:xfrm>
+              <a:prstGeom prst="arc">
+                <a:avLst>
+                  <a:gd name="adj1" fmla="val 7997812"/>
+                  <a:gd name="adj2" fmla="val 17167420"/>
+                </a:avLst>
+              </a:prstGeom>
+              <a:noFill/>
+              <a:ln w="41275">
+                <a:solidFill>
+                  <a:schemeClr val="accent5">
+                    <a:lumMod val="75000"/>
+                  </a:schemeClr>
+                </a:solidFill>
+                <a:tailEnd type="triangle" w="med" len="med"/>
+              </a:ln>
+            </p:spPr>
+            <p:style>
+              <a:lnRef idx="2">
+                <a:schemeClr val="accent1">
+                  <a:shade val="50000"/>
+                </a:schemeClr>
+              </a:lnRef>
+              <a:fillRef idx="1">
+                <a:schemeClr val="accent1"/>
+              </a:fillRef>
+              <a:effectRef idx="0">
+                <a:schemeClr val="accent1"/>
+              </a:effectRef>
+              <a:fontRef idx="minor">
+                <a:schemeClr val="lt1"/>
+              </a:fontRef>
+            </p:style>
+            <p:txBody>
+              <a:bodyPr rtlCol="0" anchor="ctr"/>
+              <a:lstStyle/>
+              <a:p>
+                <a:pPr algn="ctr"/>
+                <a:endParaRPr lang="en-US">
+                  <a:solidFill>
+                    <a:schemeClr val="accent5">
+                      <a:lumMod val="75000"/>
+                    </a:schemeClr>
+                  </a:solidFill>
+                </a:endParaRPr>
+              </a:p>
+            </p:txBody>
+          </p:sp>
+        </p:grpSp>
+      </p:grpSp>
+      <p:grpSp>
+        <p:nvGrpSpPr>
+          <p:cNvPr id="1469" name="Group 1468"/>
+          <p:cNvGrpSpPr/>
+          <p:nvPr/>
+        </p:nvGrpSpPr>
+        <p:grpSpPr>
+          <a:xfrm>
+            <a:off x="20084758" y="2245949"/>
+            <a:ext cx="1402911" cy="970699"/>
+            <a:chOff x="20265805" y="3422704"/>
+            <a:chExt cx="1402911" cy="970699"/>
+          </a:xfrm>
+        </p:grpSpPr>
+        <p:sp>
+          <p:nvSpPr>
+            <p:cNvPr id="1470" name="Rectangle 1469"/>
+            <p:cNvSpPr/>
+            <p:nvPr/>
+          </p:nvSpPr>
+          <p:spPr>
+            <a:xfrm>
+              <a:off x="20325080" y="3422704"/>
+              <a:ext cx="1291558" cy="970699"/>
+            </a:xfrm>
+            <a:prstGeom prst="rect">
+              <a:avLst/>
+            </a:prstGeom>
+            <a:solidFill>
+              <a:schemeClr val="accent4">
+                <a:lumMod val="40000"/>
+                <a:lumOff val="60000"/>
+              </a:schemeClr>
+            </a:solidFill>
+            <a:ln w="22225">
+              <a:noFill/>
+            </a:ln>
+            <a:effectLst/>
+          </p:spPr>
+          <p:style>
+            <a:lnRef idx="2">
+              <a:schemeClr val="accent1">
+                <a:shade val="50000"/>
+              </a:schemeClr>
+            </a:lnRef>
+            <a:fillRef idx="1">
+              <a:schemeClr val="accent1"/>
+            </a:fillRef>
+            <a:effectRef idx="0">
+              <a:schemeClr val="accent1"/>
+            </a:effectRef>
+            <a:fontRef idx="minor">
+              <a:schemeClr val="lt1"/>
+            </a:fontRef>
+          </p:style>
+          <p:txBody>
+            <a:bodyPr rtlCol="0" anchor="ctr"/>
+            <a:lstStyle/>
+            <a:p>
+              <a:pPr algn="ctr"/>
+              <a:endParaRPr lang="en-US"/>
+            </a:p>
+          </p:txBody>
+        </p:sp>
+        <p:sp>
+          <p:nvSpPr>
+            <p:cNvPr id="1471" name="Rectangle 1470"/>
+            <p:cNvSpPr/>
+            <p:nvPr/>
+          </p:nvSpPr>
+          <p:spPr>
+            <a:xfrm>
+              <a:off x="20265805" y="3422704"/>
+              <a:ext cx="1402911" cy="440742"/>
+            </a:xfrm>
+            <a:prstGeom prst="rect">
+              <a:avLst/>
+            </a:prstGeom>
+            <a:noFill/>
+            <a:ln>
+              <a:noFill/>
+            </a:ln>
+          </p:spPr>
+          <p:style>
+            <a:lnRef idx="2">
+              <a:schemeClr val="accent1">
+                <a:shade val="50000"/>
+              </a:schemeClr>
+            </a:lnRef>
+            <a:fillRef idx="1">
+              <a:schemeClr val="accent1"/>
+            </a:fillRef>
+            <a:effectRef idx="0">
+              <a:schemeClr val="accent1"/>
+            </a:effectRef>
+            <a:fontRef idx="minor">
+              <a:schemeClr val="lt1"/>
+            </a:fontRef>
+          </p:style>
+          <p:txBody>
+            <a:bodyPr rtlCol="0" anchor="ctr"/>
+            <a:lstStyle/>
+            <a:p>
+              <a:pPr algn="ctr"/>
+              <a:r>
+                <a:rPr lang="en-US" sz="1800" dirty="0" smtClean="0">
+                  <a:solidFill>
+                    <a:schemeClr val="accent4">
+                      <a:lumMod val="75000"/>
+                    </a:schemeClr>
+                  </a:solidFill>
+                  <a:latin typeface="BrownBagLunch" panose="02000603000000000000" pitchFamily="2" charset="0"/>
+                </a:rPr>
+                <a:t>PLEASE ROTATE SCREEN</a:t>
+              </a:r>
+              <a:endParaRPr lang="en-US" sz="1800" dirty="0">
+                <a:solidFill>
+                  <a:schemeClr val="accent4">
+                    <a:lumMod val="75000"/>
+                  </a:schemeClr>
+                </a:solidFill>
+                <a:latin typeface="BrownBagLunch" panose="02000603000000000000" pitchFamily="2" charset="0"/>
+              </a:endParaRPr>
+            </a:p>
+          </p:txBody>
+        </p:sp>
+        <p:grpSp>
+          <p:nvGrpSpPr>
+            <p:cNvPr id="1472" name="Group 1471"/>
+            <p:cNvGrpSpPr/>
+            <p:nvPr/>
+          </p:nvGrpSpPr>
+          <p:grpSpPr>
+            <a:xfrm>
+              <a:off x="20771692" y="4004124"/>
+              <a:ext cx="396810" cy="334654"/>
+              <a:chOff x="20771692" y="4010753"/>
+              <a:chExt cx="396810" cy="334654"/>
+            </a:xfrm>
+          </p:grpSpPr>
+          <p:sp>
+            <p:nvSpPr>
+              <p:cNvPr id="1473" name="Arc 1472"/>
+              <p:cNvSpPr/>
+              <p:nvPr/>
+            </p:nvSpPr>
+            <p:spPr>
+              <a:xfrm flipV="1">
+                <a:off x="20807252" y="4010753"/>
+                <a:ext cx="361250" cy="330850"/>
+              </a:xfrm>
+              <a:prstGeom prst="arc">
+                <a:avLst>
+                  <a:gd name="adj1" fmla="val 8593773"/>
+                  <a:gd name="adj2" fmla="val 16474770"/>
+                </a:avLst>
+              </a:prstGeom>
+              <a:noFill/>
+              <a:ln w="41275">
+                <a:solidFill>
+                  <a:schemeClr val="accent4">
+                    <a:lumMod val="75000"/>
+                  </a:schemeClr>
+                </a:solidFill>
+                <a:tailEnd type="triangle" w="med" len="med"/>
+              </a:ln>
+            </p:spPr>
+            <p:style>
+              <a:lnRef idx="2">
+                <a:schemeClr val="accent1">
+                  <a:shade val="50000"/>
+                </a:schemeClr>
+              </a:lnRef>
+              <a:fillRef idx="1">
+                <a:schemeClr val="accent1"/>
+              </a:fillRef>
+              <a:effectRef idx="0">
+                <a:schemeClr val="accent1"/>
+              </a:effectRef>
+              <a:fontRef idx="minor">
+                <a:schemeClr val="lt1"/>
+              </a:fontRef>
+            </p:style>
+            <p:txBody>
+              <a:bodyPr rtlCol="0" anchor="ctr"/>
+              <a:lstStyle/>
+              <a:p>
+                <a:pPr algn="ctr"/>
+                <a:endParaRPr lang="en-US">
+                  <a:solidFill>
+                    <a:schemeClr val="lt1"/>
+                  </a:solidFill>
+                </a:endParaRPr>
+              </a:p>
+            </p:txBody>
+          </p:sp>
+          <p:sp>
+            <p:nvSpPr>
+              <p:cNvPr id="1474" name="Arc 1473"/>
+              <p:cNvSpPr/>
+              <p:nvPr/>
+            </p:nvSpPr>
+            <p:spPr>
+              <a:xfrm flipH="1">
+                <a:off x="20771692" y="4028265"/>
+                <a:ext cx="361250" cy="317142"/>
+              </a:xfrm>
+              <a:prstGeom prst="arc">
+                <a:avLst>
+                  <a:gd name="adj1" fmla="val 7997812"/>
+                  <a:gd name="adj2" fmla="val 17167420"/>
+                </a:avLst>
+              </a:prstGeom>
+              <a:noFill/>
+              <a:ln w="41275">
+                <a:solidFill>
+                  <a:schemeClr val="accent4">
+                    <a:lumMod val="75000"/>
+                  </a:schemeClr>
+                </a:solidFill>
+                <a:tailEnd type="triangle" w="med" len="med"/>
+              </a:ln>
+            </p:spPr>
+            <p:style>
+              <a:lnRef idx="2">
+                <a:schemeClr val="accent1">
+                  <a:shade val="50000"/>
+                </a:schemeClr>
+              </a:lnRef>
+              <a:fillRef idx="1">
+                <a:schemeClr val="accent1"/>
+              </a:fillRef>
+              <a:effectRef idx="0">
+                <a:schemeClr val="accent1"/>
+              </a:effectRef>
+              <a:fontRef idx="minor">
+                <a:schemeClr val="lt1"/>
+              </a:fontRef>
+            </p:style>
+            <p:txBody>
+              <a:bodyPr rtlCol="0" anchor="ctr"/>
+              <a:lstStyle/>
+              <a:p>
+                <a:pPr algn="ctr"/>
+                <a:endParaRPr lang="en-US">
+                  <a:solidFill>
+                    <a:schemeClr val="lt1"/>
+                  </a:solidFill>
+                </a:endParaRPr>
+              </a:p>
+            </p:txBody>
+          </p:sp>
+        </p:grpSp>
+      </p:grpSp>
+      <p:grpSp>
+        <p:nvGrpSpPr>
+          <p:cNvPr id="1475" name="Group 1474"/>
+          <p:cNvGrpSpPr/>
+          <p:nvPr/>
+        </p:nvGrpSpPr>
+        <p:grpSpPr>
+          <a:xfrm>
+            <a:off x="20082562" y="3325052"/>
+            <a:ext cx="1402911" cy="970699"/>
+            <a:chOff x="20265805" y="3422704"/>
+            <a:chExt cx="1402911" cy="970699"/>
+          </a:xfrm>
+        </p:grpSpPr>
+        <p:sp>
+          <p:nvSpPr>
+            <p:cNvPr id="1476" name="Rectangle 1475"/>
+            <p:cNvSpPr/>
+            <p:nvPr/>
+          </p:nvSpPr>
+          <p:spPr>
+            <a:xfrm>
+              <a:off x="20325080" y="3422704"/>
+              <a:ext cx="1291558" cy="970699"/>
+            </a:xfrm>
+            <a:prstGeom prst="rect">
+              <a:avLst/>
+            </a:prstGeom>
+            <a:solidFill>
+              <a:schemeClr val="accent2">
+                <a:lumMod val="40000"/>
+                <a:lumOff val="60000"/>
+              </a:schemeClr>
+            </a:solidFill>
+            <a:ln w="22225">
+              <a:noFill/>
+            </a:ln>
+            <a:effectLst/>
+          </p:spPr>
+          <p:style>
+            <a:lnRef idx="2">
+              <a:schemeClr val="accent1">
+                <a:shade val="50000"/>
+              </a:schemeClr>
+            </a:lnRef>
+            <a:fillRef idx="1">
+              <a:schemeClr val="accent1"/>
+            </a:fillRef>
+            <a:effectRef idx="0">
+              <a:schemeClr val="accent1"/>
+            </a:effectRef>
+            <a:fontRef idx="minor">
+              <a:schemeClr val="lt1"/>
+            </a:fontRef>
+          </p:style>
+          <p:txBody>
+            <a:bodyPr rtlCol="0" anchor="ctr"/>
+            <a:lstStyle/>
+            <a:p>
+              <a:pPr algn="ctr"/>
+              <a:endParaRPr lang="en-US"/>
+            </a:p>
+          </p:txBody>
+        </p:sp>
+        <p:sp>
+          <p:nvSpPr>
+            <p:cNvPr id="1477" name="Rectangle 1476"/>
+            <p:cNvSpPr/>
+            <p:nvPr/>
+          </p:nvSpPr>
+          <p:spPr>
+            <a:xfrm>
+              <a:off x="20265805" y="3422704"/>
+              <a:ext cx="1402911" cy="440742"/>
+            </a:xfrm>
+            <a:prstGeom prst="rect">
+              <a:avLst/>
+            </a:prstGeom>
+            <a:noFill/>
+            <a:ln>
+              <a:noFill/>
+            </a:ln>
+          </p:spPr>
+          <p:style>
+            <a:lnRef idx="2">
+              <a:schemeClr val="accent1">
+                <a:shade val="50000"/>
+              </a:schemeClr>
+            </a:lnRef>
+            <a:fillRef idx="1">
+              <a:schemeClr val="accent1"/>
+            </a:fillRef>
+            <a:effectRef idx="0">
+              <a:schemeClr val="accent1"/>
+            </a:effectRef>
+            <a:fontRef idx="minor">
+              <a:schemeClr val="lt1"/>
+            </a:fontRef>
+          </p:style>
+          <p:txBody>
+            <a:bodyPr rtlCol="0" anchor="ctr"/>
+            <a:lstStyle/>
+            <a:p>
+              <a:pPr algn="ctr"/>
+              <a:r>
+                <a:rPr lang="en-US" sz="1800" dirty="0" smtClean="0">
+                  <a:solidFill>
+                    <a:schemeClr val="accent2">
+                      <a:lumMod val="75000"/>
+                    </a:schemeClr>
+                  </a:solidFill>
+                  <a:latin typeface="BrownBagLunch" panose="02000603000000000000" pitchFamily="2" charset="0"/>
+                </a:rPr>
+                <a:t>PLEASE ROTATE SCREEN</a:t>
+              </a:r>
+              <a:endParaRPr lang="en-US" sz="1800" dirty="0">
+                <a:solidFill>
+                  <a:schemeClr val="accent2">
+                    <a:lumMod val="75000"/>
+                  </a:schemeClr>
+                </a:solidFill>
+                <a:latin typeface="BrownBagLunch" panose="02000603000000000000" pitchFamily="2" charset="0"/>
+              </a:endParaRPr>
+            </a:p>
+          </p:txBody>
+        </p:sp>
+        <p:grpSp>
+          <p:nvGrpSpPr>
+            <p:cNvPr id="1478" name="Group 1477"/>
+            <p:cNvGrpSpPr/>
+            <p:nvPr/>
+          </p:nvGrpSpPr>
+          <p:grpSpPr>
+            <a:xfrm>
+              <a:off x="20771692" y="4004124"/>
+              <a:ext cx="396810" cy="334654"/>
+              <a:chOff x="20771692" y="4010753"/>
+              <a:chExt cx="396810" cy="334654"/>
+            </a:xfrm>
+          </p:grpSpPr>
+          <p:sp>
+            <p:nvSpPr>
+              <p:cNvPr id="1482" name="Arc 1481"/>
+              <p:cNvSpPr/>
+              <p:nvPr/>
+            </p:nvSpPr>
+            <p:spPr>
+              <a:xfrm flipV="1">
+                <a:off x="20807252" y="4010753"/>
+                <a:ext cx="361250" cy="330850"/>
+              </a:xfrm>
+              <a:prstGeom prst="arc">
+                <a:avLst>
+                  <a:gd name="adj1" fmla="val 8593773"/>
+                  <a:gd name="adj2" fmla="val 16474770"/>
+                </a:avLst>
+              </a:prstGeom>
+              <a:noFill/>
+              <a:ln w="41275">
+                <a:solidFill>
+                  <a:schemeClr val="accent2">
+                    <a:lumMod val="75000"/>
+                  </a:schemeClr>
+                </a:solidFill>
+                <a:tailEnd type="triangle" w="med" len="med"/>
+              </a:ln>
+            </p:spPr>
+            <p:style>
+              <a:lnRef idx="2">
+                <a:schemeClr val="accent1">
+                  <a:shade val="50000"/>
+                </a:schemeClr>
+              </a:lnRef>
+              <a:fillRef idx="1">
+                <a:schemeClr val="accent1"/>
+              </a:fillRef>
+              <a:effectRef idx="0">
+                <a:schemeClr val="accent1"/>
+              </a:effectRef>
+              <a:fontRef idx="minor">
+                <a:schemeClr val="lt1"/>
+              </a:fontRef>
+            </p:style>
+            <p:txBody>
+              <a:bodyPr rtlCol="0" anchor="ctr"/>
+              <a:lstStyle/>
+              <a:p>
+                <a:pPr algn="ctr"/>
+                <a:endParaRPr lang="en-US">
+                  <a:solidFill>
+                    <a:schemeClr val="lt1"/>
+                  </a:solidFill>
+                </a:endParaRPr>
+              </a:p>
+            </p:txBody>
+          </p:sp>
+          <p:sp>
+            <p:nvSpPr>
+              <p:cNvPr id="1483" name="Arc 1482"/>
+              <p:cNvSpPr/>
+              <p:nvPr/>
+            </p:nvSpPr>
+            <p:spPr>
+              <a:xfrm flipH="1">
+                <a:off x="20771692" y="4028265"/>
+                <a:ext cx="361250" cy="317142"/>
+              </a:xfrm>
+              <a:prstGeom prst="arc">
+                <a:avLst>
+                  <a:gd name="adj1" fmla="val 7997812"/>
+                  <a:gd name="adj2" fmla="val 17167420"/>
+                </a:avLst>
+              </a:prstGeom>
+              <a:noFill/>
+              <a:ln w="41275">
+                <a:solidFill>
+                  <a:schemeClr val="accent2">
+                    <a:lumMod val="75000"/>
+                  </a:schemeClr>
+                </a:solidFill>
+                <a:tailEnd type="triangle" w="med" len="med"/>
+              </a:ln>
+            </p:spPr>
+            <p:style>
+              <a:lnRef idx="2">
+                <a:schemeClr val="accent1">
+                  <a:shade val="50000"/>
+                </a:schemeClr>
+              </a:lnRef>
+              <a:fillRef idx="1">
+                <a:schemeClr val="accent1"/>
+              </a:fillRef>
+              <a:effectRef idx="0">
+                <a:schemeClr val="accent1"/>
+              </a:effectRef>
+              <a:fontRef idx="minor">
+                <a:schemeClr val="lt1"/>
+              </a:fontRef>
+            </p:style>
+            <p:txBody>
+              <a:bodyPr rtlCol="0" anchor="ctr"/>
+              <a:lstStyle/>
+              <a:p>
+                <a:pPr algn="ctr"/>
+                <a:endParaRPr lang="en-US">
+                  <a:solidFill>
+                    <a:schemeClr val="lt1"/>
+                  </a:solidFill>
+                </a:endParaRPr>
+              </a:p>
+            </p:txBody>
+          </p:sp>
+        </p:grpSp>
+      </p:grpSp>
+      <p:grpSp>
+        <p:nvGrpSpPr>
+          <p:cNvPr id="1492" name="Group 1491"/>
+          <p:cNvGrpSpPr/>
+          <p:nvPr/>
+        </p:nvGrpSpPr>
+        <p:grpSpPr>
+          <a:xfrm>
+            <a:off x="21499578" y="2245949"/>
+            <a:ext cx="1402911" cy="970699"/>
+            <a:chOff x="20265805" y="3422704"/>
+            <a:chExt cx="1402911" cy="970699"/>
+          </a:xfrm>
+        </p:grpSpPr>
+        <p:sp>
+          <p:nvSpPr>
+            <p:cNvPr id="1494" name="Rectangle 1493"/>
+            <p:cNvSpPr/>
+            <p:nvPr/>
+          </p:nvSpPr>
+          <p:spPr>
+            <a:xfrm>
+              <a:off x="20325080" y="3422704"/>
+              <a:ext cx="1291558" cy="970699"/>
+            </a:xfrm>
+            <a:prstGeom prst="rect">
+              <a:avLst/>
+            </a:prstGeom>
+            <a:solidFill>
+              <a:srgbClr val="E0BFE3"/>
+            </a:solidFill>
+            <a:ln w="22225">
+              <a:noFill/>
+            </a:ln>
+            <a:effectLst/>
+          </p:spPr>
+          <p:style>
+            <a:lnRef idx="2">
+              <a:schemeClr val="accent1">
+                <a:shade val="50000"/>
+              </a:schemeClr>
+            </a:lnRef>
+            <a:fillRef idx="1">
+              <a:schemeClr val="accent1"/>
+            </a:fillRef>
+            <a:effectRef idx="0">
+              <a:schemeClr val="accent1"/>
+            </a:effectRef>
+            <a:fontRef idx="minor">
+              <a:schemeClr val="lt1"/>
+            </a:fontRef>
+          </p:style>
+          <p:txBody>
+            <a:bodyPr rtlCol="0" anchor="ctr"/>
+            <a:lstStyle/>
+            <a:p>
+              <a:pPr algn="ctr"/>
+              <a:endParaRPr lang="en-US"/>
+            </a:p>
+          </p:txBody>
+        </p:sp>
+        <p:sp>
+          <p:nvSpPr>
+            <p:cNvPr id="1496" name="Rectangle 1495"/>
+            <p:cNvSpPr/>
+            <p:nvPr/>
+          </p:nvSpPr>
+          <p:spPr>
+            <a:xfrm>
+              <a:off x="20265805" y="3422704"/>
+              <a:ext cx="1402911" cy="440742"/>
+            </a:xfrm>
+            <a:prstGeom prst="rect">
+              <a:avLst/>
+            </a:prstGeom>
+            <a:noFill/>
+            <a:ln>
+              <a:noFill/>
+            </a:ln>
+          </p:spPr>
+          <p:style>
+            <a:lnRef idx="2">
+              <a:schemeClr val="accent1">
+                <a:shade val="50000"/>
+              </a:schemeClr>
+            </a:lnRef>
+            <a:fillRef idx="1">
+              <a:schemeClr val="accent1"/>
+            </a:fillRef>
+            <a:effectRef idx="0">
+              <a:schemeClr val="accent1"/>
+            </a:effectRef>
+            <a:fontRef idx="minor">
+              <a:schemeClr val="lt1"/>
+            </a:fontRef>
+          </p:style>
+          <p:txBody>
+            <a:bodyPr rtlCol="0" anchor="ctr"/>
+            <a:lstStyle/>
+            <a:p>
+              <a:pPr algn="ctr"/>
+              <a:r>
+                <a:rPr lang="en-US" sz="1800" dirty="0" smtClean="0">
+                  <a:solidFill>
+                    <a:srgbClr val="643282"/>
+                  </a:solidFill>
+                  <a:latin typeface="BrownBagLunch" panose="02000603000000000000" pitchFamily="2" charset="0"/>
+                </a:rPr>
+                <a:t>PLEASE ROTATE SCREEN</a:t>
+              </a:r>
+              <a:endParaRPr lang="en-US" sz="1800" dirty="0">
+                <a:solidFill>
+                  <a:srgbClr val="643282"/>
+                </a:solidFill>
+                <a:latin typeface="BrownBagLunch" panose="02000603000000000000" pitchFamily="2" charset="0"/>
+              </a:endParaRPr>
+            </a:p>
+          </p:txBody>
+        </p:sp>
+        <p:grpSp>
+          <p:nvGrpSpPr>
+            <p:cNvPr id="1519" name="Group 1518"/>
+            <p:cNvGrpSpPr/>
+            <p:nvPr/>
+          </p:nvGrpSpPr>
+          <p:grpSpPr>
+            <a:xfrm>
+              <a:off x="20771692" y="4004124"/>
+              <a:ext cx="396810" cy="334654"/>
+              <a:chOff x="20771692" y="4010753"/>
+              <a:chExt cx="396810" cy="334654"/>
+            </a:xfrm>
+          </p:grpSpPr>
+          <p:sp>
+            <p:nvSpPr>
+              <p:cNvPr id="1521" name="Arc 1520"/>
+              <p:cNvSpPr/>
+              <p:nvPr/>
+            </p:nvSpPr>
+            <p:spPr>
+              <a:xfrm flipV="1">
+                <a:off x="20807252" y="4010753"/>
+                <a:ext cx="361250" cy="330850"/>
+              </a:xfrm>
+              <a:prstGeom prst="arc">
+                <a:avLst>
+                  <a:gd name="adj1" fmla="val 8593773"/>
+                  <a:gd name="adj2" fmla="val 16474770"/>
+                </a:avLst>
+              </a:prstGeom>
+              <a:noFill/>
+              <a:ln w="41275">
+                <a:solidFill>
+                  <a:srgbClr val="643282"/>
+                </a:solidFill>
+                <a:tailEnd type="triangle" w="med" len="med"/>
+              </a:ln>
+            </p:spPr>
+            <p:style>
+              <a:lnRef idx="2">
+                <a:schemeClr val="accent1">
+                  <a:shade val="50000"/>
+                </a:schemeClr>
+              </a:lnRef>
+              <a:fillRef idx="1">
+                <a:schemeClr val="accent1"/>
+              </a:fillRef>
+              <a:effectRef idx="0">
+                <a:schemeClr val="accent1"/>
+              </a:effectRef>
+              <a:fontRef idx="minor">
+                <a:schemeClr val="lt1"/>
+              </a:fontRef>
+            </p:style>
+            <p:txBody>
+              <a:bodyPr rtlCol="0" anchor="ctr"/>
+              <a:lstStyle/>
+              <a:p>
+                <a:pPr algn="ctr"/>
+                <a:endParaRPr lang="en-US">
+                  <a:solidFill>
+                    <a:schemeClr val="lt1"/>
+                  </a:solidFill>
+                </a:endParaRPr>
+              </a:p>
+            </p:txBody>
+          </p:sp>
+          <p:sp>
+            <p:nvSpPr>
+              <p:cNvPr id="1523" name="Arc 1522"/>
+              <p:cNvSpPr/>
+              <p:nvPr/>
+            </p:nvSpPr>
+            <p:spPr>
+              <a:xfrm flipH="1">
+                <a:off x="20771692" y="4028265"/>
+                <a:ext cx="361250" cy="317142"/>
+              </a:xfrm>
+              <a:prstGeom prst="arc">
+                <a:avLst>
+                  <a:gd name="adj1" fmla="val 7997812"/>
+                  <a:gd name="adj2" fmla="val 17167420"/>
+                </a:avLst>
+              </a:prstGeom>
+              <a:noFill/>
+              <a:ln w="41275">
+                <a:solidFill>
+                  <a:srgbClr val="643282"/>
+                </a:solidFill>
+                <a:tailEnd type="triangle" w="med" len="med"/>
+              </a:ln>
+            </p:spPr>
+            <p:style>
+              <a:lnRef idx="2">
+                <a:schemeClr val="accent1">
+                  <a:shade val="50000"/>
+                </a:schemeClr>
+              </a:lnRef>
+              <a:fillRef idx="1">
+                <a:schemeClr val="accent1"/>
+              </a:fillRef>
+              <a:effectRef idx="0">
+                <a:schemeClr val="accent1"/>
+              </a:effectRef>
+              <a:fontRef idx="minor">
+                <a:schemeClr val="lt1"/>
+              </a:fontRef>
+            </p:style>
+            <p:txBody>
+              <a:bodyPr rtlCol="0" anchor="ctr"/>
+              <a:lstStyle/>
+              <a:p>
+                <a:pPr algn="ctr"/>
+                <a:endParaRPr lang="en-US">
+                  <a:solidFill>
+                    <a:schemeClr val="lt1"/>
+                  </a:solidFill>
+                </a:endParaRPr>
+              </a:p>
+            </p:txBody>
+          </p:sp>
+        </p:grpSp>
+      </p:grpSp>
+      <p:grpSp>
+        <p:nvGrpSpPr>
+          <p:cNvPr id="1524" name="Group 1523"/>
+          <p:cNvGrpSpPr/>
+          <p:nvPr/>
+        </p:nvGrpSpPr>
+        <p:grpSpPr>
+          <a:xfrm>
+            <a:off x="21504553" y="3327874"/>
+            <a:ext cx="1402911" cy="970699"/>
+            <a:chOff x="20265805" y="3422704"/>
+            <a:chExt cx="1402911" cy="970699"/>
+          </a:xfrm>
+        </p:grpSpPr>
+        <p:sp>
+          <p:nvSpPr>
+            <p:cNvPr id="1530" name="Rectangle 1529"/>
+            <p:cNvSpPr/>
+            <p:nvPr/>
+          </p:nvSpPr>
+          <p:spPr>
+            <a:xfrm>
+              <a:off x="20325080" y="3422704"/>
+              <a:ext cx="1291558" cy="970699"/>
+            </a:xfrm>
+            <a:prstGeom prst="rect">
+              <a:avLst/>
+            </a:prstGeom>
+            <a:solidFill>
+              <a:srgbClr val="F9B7B5"/>
+            </a:solidFill>
+            <a:ln w="22225">
+              <a:noFill/>
+            </a:ln>
+            <a:effectLst/>
+          </p:spPr>
+          <p:style>
+            <a:lnRef idx="2">
+              <a:schemeClr val="accent1">
+                <a:shade val="50000"/>
+              </a:schemeClr>
+            </a:lnRef>
+            <a:fillRef idx="1">
+              <a:schemeClr val="accent1"/>
+            </a:fillRef>
+            <a:effectRef idx="0">
+              <a:schemeClr val="accent1"/>
+            </a:effectRef>
+            <a:fontRef idx="minor">
+              <a:schemeClr val="lt1"/>
+            </a:fontRef>
+          </p:style>
+          <p:txBody>
+            <a:bodyPr rtlCol="0" anchor="ctr"/>
+            <a:lstStyle/>
+            <a:p>
+              <a:pPr algn="ctr"/>
+              <a:endParaRPr lang="en-US"/>
+            </a:p>
+          </p:txBody>
+        </p:sp>
+        <p:sp>
+          <p:nvSpPr>
+            <p:cNvPr id="1531" name="Rectangle 1530"/>
+            <p:cNvSpPr/>
+            <p:nvPr/>
+          </p:nvSpPr>
+          <p:spPr>
+            <a:xfrm>
+              <a:off x="20265805" y="3422704"/>
+              <a:ext cx="1402911" cy="440742"/>
+            </a:xfrm>
+            <a:prstGeom prst="rect">
+              <a:avLst/>
+            </a:prstGeom>
+            <a:noFill/>
+            <a:ln>
+              <a:noFill/>
+            </a:ln>
+          </p:spPr>
+          <p:style>
+            <a:lnRef idx="2">
+              <a:schemeClr val="accent1">
+                <a:shade val="50000"/>
+              </a:schemeClr>
+            </a:lnRef>
+            <a:fillRef idx="1">
+              <a:schemeClr val="accent1"/>
+            </a:fillRef>
+            <a:effectRef idx="0">
+              <a:schemeClr val="accent1"/>
+            </a:effectRef>
+            <a:fontRef idx="minor">
+              <a:schemeClr val="lt1"/>
+            </a:fontRef>
+          </p:style>
+          <p:txBody>
+            <a:bodyPr rtlCol="0" anchor="ctr"/>
+            <a:lstStyle/>
+            <a:p>
+              <a:pPr algn="ctr"/>
+              <a:r>
+                <a:rPr lang="en-US" sz="1800" dirty="0" smtClean="0">
+                  <a:solidFill>
+                    <a:srgbClr val="D93427"/>
+                  </a:solidFill>
+                  <a:latin typeface="BrownBagLunch" panose="02000603000000000000" pitchFamily="2" charset="0"/>
+                </a:rPr>
+                <a:t>PLEASE ROTATE SCREEN</a:t>
+              </a:r>
+              <a:endParaRPr lang="en-US" sz="1800" dirty="0">
+                <a:solidFill>
+                  <a:srgbClr val="D93427"/>
+                </a:solidFill>
+                <a:latin typeface="BrownBagLunch" panose="02000603000000000000" pitchFamily="2" charset="0"/>
+              </a:endParaRPr>
+            </a:p>
+          </p:txBody>
+        </p:sp>
+        <p:grpSp>
+          <p:nvGrpSpPr>
+            <p:cNvPr id="1563" name="Group 1562"/>
+            <p:cNvGrpSpPr/>
+            <p:nvPr/>
+          </p:nvGrpSpPr>
+          <p:grpSpPr>
+            <a:xfrm>
+              <a:off x="20771692" y="4004124"/>
+              <a:ext cx="396810" cy="334654"/>
+              <a:chOff x="20771692" y="4010753"/>
+              <a:chExt cx="396810" cy="334654"/>
+            </a:xfrm>
+          </p:grpSpPr>
+          <p:sp>
+            <p:nvSpPr>
+              <p:cNvPr id="1564" name="Arc 1563"/>
+              <p:cNvSpPr/>
+              <p:nvPr/>
+            </p:nvSpPr>
+            <p:spPr>
+              <a:xfrm flipV="1">
+                <a:off x="20807252" y="4010753"/>
+                <a:ext cx="361250" cy="330850"/>
+              </a:xfrm>
+              <a:prstGeom prst="arc">
+                <a:avLst>
+                  <a:gd name="adj1" fmla="val 8593773"/>
+                  <a:gd name="adj2" fmla="val 16474770"/>
+                </a:avLst>
+              </a:prstGeom>
+              <a:noFill/>
+              <a:ln w="41275">
+                <a:solidFill>
+                  <a:srgbClr val="D93427"/>
+                </a:solidFill>
+                <a:tailEnd type="triangle" w="med" len="med"/>
+              </a:ln>
+            </p:spPr>
+            <p:style>
+              <a:lnRef idx="2">
+                <a:schemeClr val="accent1">
+                  <a:shade val="50000"/>
+                </a:schemeClr>
+              </a:lnRef>
+              <a:fillRef idx="1">
+                <a:schemeClr val="accent1"/>
+              </a:fillRef>
+              <a:effectRef idx="0">
+                <a:schemeClr val="accent1"/>
+              </a:effectRef>
+              <a:fontRef idx="minor">
+                <a:schemeClr val="lt1"/>
+              </a:fontRef>
+            </p:style>
+            <p:txBody>
+              <a:bodyPr rtlCol="0" anchor="ctr"/>
+              <a:lstStyle/>
+              <a:p>
+                <a:pPr algn="ctr"/>
+                <a:endParaRPr lang="en-US">
+                  <a:solidFill>
+                    <a:schemeClr val="lt1"/>
+                  </a:solidFill>
+                </a:endParaRPr>
+              </a:p>
+            </p:txBody>
+          </p:sp>
+          <p:sp>
+            <p:nvSpPr>
+              <p:cNvPr id="1565" name="Arc 1564"/>
+              <p:cNvSpPr/>
+              <p:nvPr/>
+            </p:nvSpPr>
+            <p:spPr>
+              <a:xfrm flipH="1">
+                <a:off x="20771692" y="4028265"/>
+                <a:ext cx="361250" cy="317142"/>
+              </a:xfrm>
+              <a:prstGeom prst="arc">
+                <a:avLst>
+                  <a:gd name="adj1" fmla="val 7997812"/>
+                  <a:gd name="adj2" fmla="val 17167420"/>
+                </a:avLst>
+              </a:prstGeom>
+              <a:noFill/>
+              <a:ln w="41275">
+                <a:solidFill>
+                  <a:srgbClr val="D93427"/>
+                </a:solidFill>
+                <a:tailEnd type="triangle" w="med" len="med"/>
+              </a:ln>
+            </p:spPr>
+            <p:style>
+              <a:lnRef idx="2">
+                <a:schemeClr val="accent1">
+                  <a:shade val="50000"/>
+                </a:schemeClr>
+              </a:lnRef>
+              <a:fillRef idx="1">
+                <a:schemeClr val="accent1"/>
+              </a:fillRef>
+              <a:effectRef idx="0">
+                <a:schemeClr val="accent1"/>
+              </a:effectRef>
+              <a:fontRef idx="minor">
+                <a:schemeClr val="lt1"/>
+              </a:fontRef>
+            </p:style>
+            <p:txBody>
+              <a:bodyPr rtlCol="0" anchor="ctr"/>
+              <a:lstStyle/>
+              <a:p>
+                <a:pPr algn="ctr"/>
+                <a:endParaRPr lang="en-US">
+                  <a:solidFill>
+                    <a:schemeClr val="lt1"/>
+                  </a:solidFill>
+                </a:endParaRPr>
+              </a:p>
+            </p:txBody>
+          </p:sp>
+        </p:grpSp>
+      </p:grpSp>
+      <p:grpSp>
+        <p:nvGrpSpPr>
+          <p:cNvPr id="1566" name="Group 1565"/>
+          <p:cNvGrpSpPr/>
+          <p:nvPr/>
+        </p:nvGrpSpPr>
+        <p:grpSpPr>
+          <a:xfrm>
+            <a:off x="21499578" y="1142556"/>
+            <a:ext cx="1402911" cy="970699"/>
+            <a:chOff x="20265805" y="3422704"/>
+            <a:chExt cx="1402911" cy="970699"/>
+          </a:xfrm>
+        </p:grpSpPr>
+        <p:sp>
+          <p:nvSpPr>
+            <p:cNvPr id="1567" name="Rectangle 1566"/>
+            <p:cNvSpPr/>
+            <p:nvPr/>
+          </p:nvSpPr>
+          <p:spPr>
+            <a:xfrm>
+              <a:off x="20325080" y="3422704"/>
+              <a:ext cx="1291558" cy="970699"/>
+            </a:xfrm>
+            <a:prstGeom prst="rect">
+              <a:avLst/>
+            </a:prstGeom>
+            <a:solidFill>
+              <a:schemeClr val="accent6">
+                <a:lumMod val="40000"/>
+                <a:lumOff val="60000"/>
+              </a:schemeClr>
+            </a:solidFill>
+            <a:ln w="22225">
+              <a:noFill/>
+            </a:ln>
+            <a:effectLst/>
+          </p:spPr>
+          <p:style>
+            <a:lnRef idx="2">
+              <a:schemeClr val="accent1">
+                <a:shade val="50000"/>
+              </a:schemeClr>
+            </a:lnRef>
+            <a:fillRef idx="1">
+              <a:schemeClr val="accent1"/>
+            </a:fillRef>
+            <a:effectRef idx="0">
+              <a:schemeClr val="accent1"/>
+            </a:effectRef>
+            <a:fontRef idx="minor">
+              <a:schemeClr val="lt1"/>
+            </a:fontRef>
+          </p:style>
+          <p:txBody>
+            <a:bodyPr rtlCol="0" anchor="ctr"/>
+            <a:lstStyle/>
+            <a:p>
+              <a:pPr algn="ctr"/>
+              <a:endParaRPr lang="en-US"/>
+            </a:p>
+          </p:txBody>
+        </p:sp>
+        <p:sp>
+          <p:nvSpPr>
+            <p:cNvPr id="1568" name="Rectangle 1567"/>
+            <p:cNvSpPr/>
+            <p:nvPr/>
+          </p:nvSpPr>
+          <p:spPr>
+            <a:xfrm>
+              <a:off x="20265805" y="3422704"/>
+              <a:ext cx="1402911" cy="440742"/>
+            </a:xfrm>
+            <a:prstGeom prst="rect">
+              <a:avLst/>
+            </a:prstGeom>
+            <a:noFill/>
+            <a:ln>
+              <a:noFill/>
+            </a:ln>
+          </p:spPr>
+          <p:style>
+            <a:lnRef idx="2">
+              <a:schemeClr val="accent1">
+                <a:shade val="50000"/>
+              </a:schemeClr>
+            </a:lnRef>
+            <a:fillRef idx="1">
+              <a:schemeClr val="accent1"/>
+            </a:fillRef>
+            <a:effectRef idx="0">
+              <a:schemeClr val="accent1"/>
+            </a:effectRef>
+            <a:fontRef idx="minor">
+              <a:schemeClr val="lt1"/>
+            </a:fontRef>
+          </p:style>
+          <p:txBody>
+            <a:bodyPr rtlCol="0" anchor="ctr"/>
+            <a:lstStyle/>
+            <a:p>
+              <a:pPr algn="ctr"/>
+              <a:r>
+                <a:rPr lang="en-US" sz="1800" dirty="0" smtClean="0">
+                  <a:solidFill>
+                    <a:schemeClr val="accent6">
+                      <a:lumMod val="75000"/>
+                    </a:schemeClr>
+                  </a:solidFill>
+                  <a:latin typeface="BrownBagLunch" panose="02000603000000000000" pitchFamily="2" charset="0"/>
+                </a:rPr>
+                <a:t>PLEASE ROTATE SCREEN</a:t>
+              </a:r>
+              <a:endParaRPr lang="en-US" sz="1800" dirty="0">
+                <a:solidFill>
+                  <a:schemeClr val="accent6">
+                    <a:lumMod val="75000"/>
+                  </a:schemeClr>
+                </a:solidFill>
+                <a:latin typeface="BrownBagLunch" panose="02000603000000000000" pitchFamily="2" charset="0"/>
+              </a:endParaRPr>
+            </a:p>
+          </p:txBody>
+        </p:sp>
+        <p:grpSp>
+          <p:nvGrpSpPr>
+            <p:cNvPr id="1569" name="Group 1568"/>
+            <p:cNvGrpSpPr/>
+            <p:nvPr/>
+          </p:nvGrpSpPr>
+          <p:grpSpPr>
+            <a:xfrm>
+              <a:off x="20771692" y="4004124"/>
+              <a:ext cx="396810" cy="334654"/>
+              <a:chOff x="20771692" y="4010753"/>
+              <a:chExt cx="396810" cy="334654"/>
+            </a:xfrm>
+          </p:grpSpPr>
+          <p:sp>
+            <p:nvSpPr>
+              <p:cNvPr id="1570" name="Arc 1569"/>
+              <p:cNvSpPr/>
+              <p:nvPr/>
+            </p:nvSpPr>
+            <p:spPr>
+              <a:xfrm flipV="1">
+                <a:off x="20807252" y="4010753"/>
+                <a:ext cx="361250" cy="330850"/>
+              </a:xfrm>
+              <a:prstGeom prst="arc">
+                <a:avLst>
+                  <a:gd name="adj1" fmla="val 8593773"/>
+                  <a:gd name="adj2" fmla="val 16474770"/>
+                </a:avLst>
+              </a:prstGeom>
+              <a:noFill/>
+              <a:ln w="41275">
+                <a:solidFill>
+                  <a:schemeClr val="accent6">
+                    <a:lumMod val="75000"/>
+                  </a:schemeClr>
+                </a:solidFill>
+                <a:tailEnd type="triangle" w="med" len="med"/>
+              </a:ln>
+            </p:spPr>
+            <p:style>
+              <a:lnRef idx="2">
+                <a:schemeClr val="accent1">
+                  <a:shade val="50000"/>
+                </a:schemeClr>
+              </a:lnRef>
+              <a:fillRef idx="1">
+                <a:schemeClr val="accent1"/>
+              </a:fillRef>
+              <a:effectRef idx="0">
+                <a:schemeClr val="accent1"/>
+              </a:effectRef>
+              <a:fontRef idx="minor">
+                <a:schemeClr val="lt1"/>
+              </a:fontRef>
+            </p:style>
+            <p:txBody>
+              <a:bodyPr rtlCol="0" anchor="ctr"/>
+              <a:lstStyle/>
+              <a:p>
+                <a:pPr algn="ctr"/>
+                <a:endParaRPr lang="en-US">
+                  <a:solidFill>
+                    <a:schemeClr val="lt1"/>
+                  </a:solidFill>
+                </a:endParaRPr>
+              </a:p>
+            </p:txBody>
+          </p:sp>
+          <p:sp>
+            <p:nvSpPr>
+              <p:cNvPr id="1571" name="Arc 1570"/>
+              <p:cNvSpPr/>
+              <p:nvPr/>
+            </p:nvSpPr>
+            <p:spPr>
+              <a:xfrm flipH="1">
+                <a:off x="20771692" y="4028265"/>
+                <a:ext cx="361250" cy="317142"/>
+              </a:xfrm>
+              <a:prstGeom prst="arc">
+                <a:avLst>
+                  <a:gd name="adj1" fmla="val 7997812"/>
+                  <a:gd name="adj2" fmla="val 17167420"/>
+                </a:avLst>
+              </a:prstGeom>
+              <a:noFill/>
+              <a:ln w="41275">
+                <a:solidFill>
+                  <a:schemeClr val="accent6">
+                    <a:lumMod val="75000"/>
+                  </a:schemeClr>
+                </a:solidFill>
+                <a:tailEnd type="triangle" w="med" len="med"/>
+              </a:ln>
+            </p:spPr>
+            <p:style>
+              <a:lnRef idx="2">
+                <a:schemeClr val="accent1">
+                  <a:shade val="50000"/>
+                </a:schemeClr>
+              </a:lnRef>
+              <a:fillRef idx="1">
+                <a:schemeClr val="accent1"/>
+              </a:fillRef>
+              <a:effectRef idx="0">
+                <a:schemeClr val="accent1"/>
+              </a:effectRef>
+              <a:fontRef idx="minor">
+                <a:schemeClr val="lt1"/>
+              </a:fontRef>
+            </p:style>
+            <p:txBody>
+              <a:bodyPr rtlCol="0" anchor="ctr"/>
+              <a:lstStyle/>
+              <a:p>
+                <a:pPr algn="ctr"/>
+                <a:endParaRPr lang="en-US">
+                  <a:solidFill>
+                    <a:schemeClr val="lt1"/>
+                  </a:solidFill>
+                </a:endParaRPr>
+              </a:p>
+            </p:txBody>
+          </p:sp>
+        </p:grpSp>
+      </p:grpSp>
+      <p:grpSp>
+        <p:nvGrpSpPr>
+          <p:cNvPr id="1575" name="Group 1574"/>
+          <p:cNvGrpSpPr/>
+          <p:nvPr/>
+        </p:nvGrpSpPr>
+        <p:grpSpPr>
+          <a:xfrm>
+            <a:off x="19895266" y="4430492"/>
+            <a:ext cx="1540550" cy="905375"/>
+            <a:chOff x="20265805" y="3422703"/>
+            <a:chExt cx="1540550" cy="744668"/>
+          </a:xfrm>
+        </p:grpSpPr>
+        <p:sp>
+          <p:nvSpPr>
+            <p:cNvPr id="1576" name="Rectangle 1575"/>
+            <p:cNvSpPr/>
+            <p:nvPr/>
+          </p:nvSpPr>
+          <p:spPr>
+            <a:xfrm>
+              <a:off x="20325079" y="3422705"/>
+              <a:ext cx="1417776" cy="744666"/>
+            </a:xfrm>
+            <a:prstGeom prst="rect">
+              <a:avLst/>
+            </a:prstGeom>
+            <a:solidFill>
+              <a:schemeClr val="accent5">
+                <a:lumMod val="40000"/>
+                <a:lumOff val="60000"/>
+              </a:schemeClr>
+            </a:solidFill>
+            <a:ln w="22225">
+              <a:noFill/>
+            </a:ln>
+            <a:effectLst/>
+          </p:spPr>
+          <p:style>
+            <a:lnRef idx="2">
+              <a:schemeClr val="accent1">
+                <a:shade val="50000"/>
+              </a:schemeClr>
+            </a:lnRef>
+            <a:fillRef idx="1">
+              <a:schemeClr val="accent1"/>
+            </a:fillRef>
+            <a:effectRef idx="0">
+              <a:schemeClr val="accent1"/>
+            </a:effectRef>
+            <a:fontRef idx="minor">
+              <a:schemeClr val="lt1"/>
+            </a:fontRef>
+          </p:style>
+          <p:txBody>
+            <a:bodyPr rtlCol="0" anchor="ctr"/>
+            <a:lstStyle/>
+            <a:p>
+              <a:pPr algn="ctr"/>
+              <a:endParaRPr lang="en-US">
+                <a:solidFill>
+                  <a:schemeClr val="accent5">
+                    <a:lumMod val="75000"/>
+                  </a:schemeClr>
+                </a:solidFill>
+              </a:endParaRPr>
+            </a:p>
+          </p:txBody>
+        </p:sp>
+        <p:sp>
+          <p:nvSpPr>
+            <p:cNvPr id="1577" name="Rectangle 1576"/>
+            <p:cNvSpPr/>
+            <p:nvPr/>
+          </p:nvSpPr>
+          <p:spPr>
+            <a:xfrm>
+              <a:off x="20265805" y="3422703"/>
+              <a:ext cx="1540550" cy="666471"/>
+            </a:xfrm>
+            <a:prstGeom prst="rect">
+              <a:avLst/>
+            </a:prstGeom>
+            <a:noFill/>
+            <a:ln>
+              <a:noFill/>
+            </a:ln>
+          </p:spPr>
+          <p:style>
+            <a:lnRef idx="2">
+              <a:schemeClr val="accent1">
+                <a:shade val="50000"/>
+              </a:schemeClr>
+            </a:lnRef>
+            <a:fillRef idx="1">
+              <a:schemeClr val="accent1"/>
+            </a:fillRef>
+            <a:effectRef idx="0">
+              <a:schemeClr val="accent1"/>
+            </a:effectRef>
+            <a:fontRef idx="minor">
+              <a:schemeClr val="lt1"/>
+            </a:fontRef>
+          </p:style>
+          <p:txBody>
+            <a:bodyPr rtlCol="0" anchor="ctr"/>
+            <a:lstStyle/>
+            <a:p>
+              <a:pPr algn="ctr"/>
+              <a:r>
+                <a:rPr lang="en-US" sz="1800" dirty="0" smtClean="0">
+                  <a:solidFill>
+                    <a:schemeClr val="accent5">
+                      <a:lumMod val="75000"/>
+                    </a:schemeClr>
+                  </a:solidFill>
+                  <a:latin typeface="BrownBagLunch" panose="02000603000000000000" pitchFamily="2" charset="0"/>
+                </a:rPr>
+                <a:t>SCREEN TOO SMALL FOR THIS APPLICATION</a:t>
+              </a:r>
+              <a:endParaRPr lang="en-US" sz="1800" dirty="0">
+                <a:solidFill>
+                  <a:schemeClr val="accent5">
+                    <a:lumMod val="75000"/>
+                  </a:schemeClr>
+                </a:solidFill>
+                <a:latin typeface="BrownBagLunch" panose="02000603000000000000" pitchFamily="2" charset="0"/>
+              </a:endParaRPr>
+            </a:p>
+          </p:txBody>
+        </p:sp>
+      </p:grpSp>
+      <p:grpSp>
+        <p:nvGrpSpPr>
+          <p:cNvPr id="1671" name="Group 1670"/>
+          <p:cNvGrpSpPr/>
+          <p:nvPr/>
+        </p:nvGrpSpPr>
+        <p:grpSpPr>
+          <a:xfrm>
+            <a:off x="21527736" y="4436057"/>
+            <a:ext cx="1540550" cy="905375"/>
+            <a:chOff x="20265805" y="3422703"/>
+            <a:chExt cx="1540550" cy="744668"/>
+          </a:xfrm>
+        </p:grpSpPr>
+        <p:sp>
+          <p:nvSpPr>
+            <p:cNvPr id="1672" name="Rectangle 1671"/>
+            <p:cNvSpPr/>
+            <p:nvPr/>
+          </p:nvSpPr>
+          <p:spPr>
+            <a:xfrm>
+              <a:off x="20325079" y="3422705"/>
+              <a:ext cx="1417776" cy="744666"/>
+            </a:xfrm>
+            <a:prstGeom prst="rect">
+              <a:avLst/>
+            </a:prstGeom>
+            <a:solidFill>
+              <a:schemeClr val="accent6">
+                <a:lumMod val="40000"/>
+                <a:lumOff val="60000"/>
+              </a:schemeClr>
+            </a:solidFill>
+            <a:ln w="22225">
+              <a:noFill/>
+            </a:ln>
+            <a:effectLst/>
+          </p:spPr>
+          <p:style>
+            <a:lnRef idx="2">
+              <a:schemeClr val="accent1">
+                <a:shade val="50000"/>
+              </a:schemeClr>
+            </a:lnRef>
+            <a:fillRef idx="1">
+              <a:schemeClr val="accent1"/>
+            </a:fillRef>
+            <a:effectRef idx="0">
+              <a:schemeClr val="accent1"/>
+            </a:effectRef>
+            <a:fontRef idx="minor">
+              <a:schemeClr val="lt1"/>
+            </a:fontRef>
+          </p:style>
+          <p:txBody>
+            <a:bodyPr rtlCol="0" anchor="ctr"/>
+            <a:lstStyle/>
+            <a:p>
+              <a:pPr algn="ctr"/>
+              <a:endParaRPr lang="en-US">
+                <a:solidFill>
+                  <a:schemeClr val="accent6">
+                    <a:lumMod val="75000"/>
+                  </a:schemeClr>
+                </a:solidFill>
+              </a:endParaRPr>
+            </a:p>
+          </p:txBody>
+        </p:sp>
+        <p:sp>
+          <p:nvSpPr>
+            <p:cNvPr id="1673" name="Rectangle 1672"/>
+            <p:cNvSpPr/>
+            <p:nvPr/>
+          </p:nvSpPr>
+          <p:spPr>
+            <a:xfrm>
+              <a:off x="20265805" y="3422703"/>
+              <a:ext cx="1540550" cy="666471"/>
+            </a:xfrm>
+            <a:prstGeom prst="rect">
+              <a:avLst/>
+            </a:prstGeom>
+            <a:noFill/>
+            <a:ln>
+              <a:noFill/>
+            </a:ln>
+          </p:spPr>
+          <p:style>
+            <a:lnRef idx="2">
+              <a:schemeClr val="accent1">
+                <a:shade val="50000"/>
+              </a:schemeClr>
+            </a:lnRef>
+            <a:fillRef idx="1">
+              <a:schemeClr val="accent1"/>
+            </a:fillRef>
+            <a:effectRef idx="0">
+              <a:schemeClr val="accent1"/>
+            </a:effectRef>
+            <a:fontRef idx="minor">
+              <a:schemeClr val="lt1"/>
+            </a:fontRef>
+          </p:style>
+          <p:txBody>
+            <a:bodyPr rtlCol="0" anchor="ctr"/>
+            <a:lstStyle/>
+            <a:p>
+              <a:pPr algn="ctr"/>
+              <a:r>
+                <a:rPr lang="en-US" sz="1800" dirty="0" smtClean="0">
+                  <a:solidFill>
+                    <a:schemeClr val="accent6">
+                      <a:lumMod val="75000"/>
+                    </a:schemeClr>
+                  </a:solidFill>
+                  <a:latin typeface="BrownBagLunch" panose="02000603000000000000" pitchFamily="2" charset="0"/>
+                </a:rPr>
+                <a:t>SCREEN TOO SMALL FOR THIS APPLICATION</a:t>
+              </a:r>
+              <a:endParaRPr lang="en-US" sz="1800" dirty="0">
+                <a:solidFill>
+                  <a:schemeClr val="accent6">
+                    <a:lumMod val="75000"/>
+                  </a:schemeClr>
+                </a:solidFill>
+                <a:latin typeface="BrownBagLunch" panose="02000603000000000000" pitchFamily="2" charset="0"/>
+              </a:endParaRPr>
+            </a:p>
+          </p:txBody>
+        </p:sp>
+      </p:grpSp>
+      <p:grpSp>
+        <p:nvGrpSpPr>
+          <p:cNvPr id="1674" name="Group 1673"/>
+          <p:cNvGrpSpPr/>
+          <p:nvPr/>
+        </p:nvGrpSpPr>
+        <p:grpSpPr>
+          <a:xfrm>
+            <a:off x="19896895" y="5394426"/>
+            <a:ext cx="1540550" cy="905375"/>
+            <a:chOff x="20265805" y="3422703"/>
+            <a:chExt cx="1540550" cy="744668"/>
+          </a:xfrm>
+        </p:grpSpPr>
+        <p:sp>
+          <p:nvSpPr>
+            <p:cNvPr id="1675" name="Rectangle 1674"/>
+            <p:cNvSpPr/>
+            <p:nvPr/>
+          </p:nvSpPr>
+          <p:spPr>
+            <a:xfrm>
+              <a:off x="20325079" y="3422705"/>
+              <a:ext cx="1417776" cy="744666"/>
+            </a:xfrm>
+            <a:prstGeom prst="rect">
+              <a:avLst/>
+            </a:prstGeom>
+            <a:solidFill>
+              <a:schemeClr val="accent4">
+                <a:lumMod val="40000"/>
+                <a:lumOff val="60000"/>
+              </a:schemeClr>
+            </a:solidFill>
+            <a:ln w="22225">
+              <a:noFill/>
+            </a:ln>
+            <a:effectLst/>
+          </p:spPr>
+          <p:style>
+            <a:lnRef idx="2">
+              <a:schemeClr val="accent1">
+                <a:shade val="50000"/>
+              </a:schemeClr>
+            </a:lnRef>
+            <a:fillRef idx="1">
+              <a:schemeClr val="accent1"/>
+            </a:fillRef>
+            <a:effectRef idx="0">
+              <a:schemeClr val="accent1"/>
+            </a:effectRef>
+            <a:fontRef idx="minor">
+              <a:schemeClr val="lt1"/>
+            </a:fontRef>
+          </p:style>
+          <p:txBody>
+            <a:bodyPr rtlCol="0" anchor="ctr"/>
+            <a:lstStyle/>
+            <a:p>
+              <a:pPr algn="ctr"/>
+              <a:endParaRPr lang="en-US">
+                <a:solidFill>
+                  <a:schemeClr val="accent4">
+                    <a:lumMod val="75000"/>
+                  </a:schemeClr>
+                </a:solidFill>
+              </a:endParaRPr>
+            </a:p>
+          </p:txBody>
+        </p:sp>
+        <p:sp>
+          <p:nvSpPr>
+            <p:cNvPr id="1676" name="Rectangle 1675"/>
+            <p:cNvSpPr/>
+            <p:nvPr/>
+          </p:nvSpPr>
+          <p:spPr>
+            <a:xfrm>
+              <a:off x="20265805" y="3422703"/>
+              <a:ext cx="1540550" cy="666471"/>
+            </a:xfrm>
+            <a:prstGeom prst="rect">
+              <a:avLst/>
+            </a:prstGeom>
+            <a:noFill/>
+            <a:ln>
+              <a:noFill/>
+            </a:ln>
+          </p:spPr>
+          <p:style>
+            <a:lnRef idx="2">
+              <a:schemeClr val="accent1">
+                <a:shade val="50000"/>
+              </a:schemeClr>
+            </a:lnRef>
+            <a:fillRef idx="1">
+              <a:schemeClr val="accent1"/>
+            </a:fillRef>
+            <a:effectRef idx="0">
+              <a:schemeClr val="accent1"/>
+            </a:effectRef>
+            <a:fontRef idx="minor">
+              <a:schemeClr val="lt1"/>
+            </a:fontRef>
+          </p:style>
+          <p:txBody>
+            <a:bodyPr rtlCol="0" anchor="ctr"/>
+            <a:lstStyle/>
+            <a:p>
+              <a:pPr algn="ctr"/>
+              <a:r>
+                <a:rPr lang="en-US" sz="1800" dirty="0" smtClean="0">
+                  <a:solidFill>
+                    <a:schemeClr val="accent4">
+                      <a:lumMod val="75000"/>
+                    </a:schemeClr>
+                  </a:solidFill>
+                  <a:latin typeface="BrownBagLunch" panose="02000603000000000000" pitchFamily="2" charset="0"/>
+                </a:rPr>
+                <a:t>SCREEN TOO SMALL FOR THIS APPLICATION</a:t>
+              </a:r>
+              <a:endParaRPr lang="en-US" sz="1800" dirty="0">
+                <a:solidFill>
+                  <a:schemeClr val="accent4">
+                    <a:lumMod val="75000"/>
+                  </a:schemeClr>
+                </a:solidFill>
+                <a:latin typeface="BrownBagLunch" panose="02000603000000000000" pitchFamily="2" charset="0"/>
+              </a:endParaRPr>
+            </a:p>
+          </p:txBody>
+        </p:sp>
+      </p:grpSp>
+      <p:grpSp>
+        <p:nvGrpSpPr>
+          <p:cNvPr id="1677" name="Group 1676"/>
+          <p:cNvGrpSpPr/>
+          <p:nvPr/>
+        </p:nvGrpSpPr>
+        <p:grpSpPr>
+          <a:xfrm>
+            <a:off x="21529365" y="5399991"/>
+            <a:ext cx="1540550" cy="905375"/>
+            <a:chOff x="20265805" y="3422703"/>
+            <a:chExt cx="1540550" cy="744668"/>
+          </a:xfrm>
+        </p:grpSpPr>
+        <p:sp>
+          <p:nvSpPr>
+            <p:cNvPr id="1678" name="Rectangle 1677"/>
+            <p:cNvSpPr/>
+            <p:nvPr/>
+          </p:nvSpPr>
+          <p:spPr>
+            <a:xfrm>
+              <a:off x="20325079" y="3422705"/>
+              <a:ext cx="1417776" cy="744666"/>
+            </a:xfrm>
+            <a:prstGeom prst="rect">
+              <a:avLst/>
+            </a:prstGeom>
+            <a:solidFill>
+              <a:srgbClr val="E0BFE3"/>
+            </a:solidFill>
+            <a:ln w="22225">
+              <a:noFill/>
+            </a:ln>
+            <a:effectLst/>
+          </p:spPr>
+          <p:style>
+            <a:lnRef idx="2">
+              <a:schemeClr val="accent1">
+                <a:shade val="50000"/>
+              </a:schemeClr>
+            </a:lnRef>
+            <a:fillRef idx="1">
+              <a:schemeClr val="accent1"/>
+            </a:fillRef>
+            <a:effectRef idx="0">
+              <a:schemeClr val="accent1"/>
+            </a:effectRef>
+            <a:fontRef idx="minor">
+              <a:schemeClr val="lt1"/>
+            </a:fontRef>
+          </p:style>
+          <p:txBody>
+            <a:bodyPr rtlCol="0" anchor="ctr"/>
+            <a:lstStyle/>
+            <a:p>
+              <a:pPr algn="ctr"/>
+              <a:endParaRPr lang="en-US">
+                <a:solidFill>
+                  <a:schemeClr val="accent5">
+                    <a:lumMod val="75000"/>
+                  </a:schemeClr>
+                </a:solidFill>
+              </a:endParaRPr>
+            </a:p>
+          </p:txBody>
+        </p:sp>
+        <p:sp>
+          <p:nvSpPr>
+            <p:cNvPr id="1679" name="Rectangle 1678"/>
+            <p:cNvSpPr/>
+            <p:nvPr/>
+          </p:nvSpPr>
+          <p:spPr>
+            <a:xfrm>
+              <a:off x="20265805" y="3422703"/>
+              <a:ext cx="1540550" cy="666471"/>
+            </a:xfrm>
+            <a:prstGeom prst="rect">
+              <a:avLst/>
+            </a:prstGeom>
+            <a:noFill/>
+            <a:ln>
+              <a:noFill/>
+            </a:ln>
+          </p:spPr>
+          <p:style>
+            <a:lnRef idx="2">
+              <a:schemeClr val="accent1">
+                <a:shade val="50000"/>
+              </a:schemeClr>
+            </a:lnRef>
+            <a:fillRef idx="1">
+              <a:schemeClr val="accent1"/>
+            </a:fillRef>
+            <a:effectRef idx="0">
+              <a:schemeClr val="accent1"/>
+            </a:effectRef>
+            <a:fontRef idx="minor">
+              <a:schemeClr val="lt1"/>
+            </a:fontRef>
+          </p:style>
+          <p:txBody>
+            <a:bodyPr rtlCol="0" anchor="ctr"/>
+            <a:lstStyle/>
+            <a:p>
+              <a:pPr algn="ctr"/>
+              <a:r>
+                <a:rPr lang="en-US" sz="1800" dirty="0" smtClean="0">
+                  <a:solidFill>
+                    <a:srgbClr val="643282"/>
+                  </a:solidFill>
+                  <a:latin typeface="BrownBagLunch" panose="02000603000000000000" pitchFamily="2" charset="0"/>
+                </a:rPr>
+                <a:t>SCREEN TOO SMALL FOR THIS APPLICATION</a:t>
+              </a:r>
+              <a:endParaRPr lang="en-US" sz="1800" dirty="0">
+                <a:solidFill>
+                  <a:srgbClr val="643282"/>
+                </a:solidFill>
+                <a:latin typeface="BrownBagLunch" panose="02000603000000000000" pitchFamily="2" charset="0"/>
+              </a:endParaRPr>
+            </a:p>
+          </p:txBody>
+        </p:sp>
+      </p:grpSp>
+      <p:grpSp>
+        <p:nvGrpSpPr>
+          <p:cNvPr id="1680" name="Group 1679"/>
+          <p:cNvGrpSpPr/>
+          <p:nvPr/>
+        </p:nvGrpSpPr>
+        <p:grpSpPr>
+          <a:xfrm>
+            <a:off x="19899073" y="6349947"/>
+            <a:ext cx="1540550" cy="905375"/>
+            <a:chOff x="20265805" y="3422703"/>
+            <a:chExt cx="1540550" cy="744668"/>
+          </a:xfrm>
+        </p:grpSpPr>
+        <p:sp>
+          <p:nvSpPr>
+            <p:cNvPr id="1681" name="Rectangle 1680"/>
+            <p:cNvSpPr/>
+            <p:nvPr/>
+          </p:nvSpPr>
+          <p:spPr>
+            <a:xfrm>
+              <a:off x="20325079" y="3422705"/>
+              <a:ext cx="1417776" cy="744666"/>
+            </a:xfrm>
+            <a:prstGeom prst="rect">
+              <a:avLst/>
+            </a:prstGeom>
+            <a:solidFill>
+              <a:schemeClr val="accent2">
+                <a:lumMod val="40000"/>
+                <a:lumOff val="60000"/>
+              </a:schemeClr>
+            </a:solidFill>
+            <a:ln w="22225">
+              <a:noFill/>
+            </a:ln>
+            <a:effectLst/>
+          </p:spPr>
+          <p:style>
+            <a:lnRef idx="2">
+              <a:schemeClr val="accent1">
+                <a:shade val="50000"/>
+              </a:schemeClr>
+            </a:lnRef>
+            <a:fillRef idx="1">
+              <a:schemeClr val="accent1"/>
+            </a:fillRef>
+            <a:effectRef idx="0">
+              <a:schemeClr val="accent1"/>
+            </a:effectRef>
+            <a:fontRef idx="minor">
+              <a:schemeClr val="lt1"/>
+            </a:fontRef>
+          </p:style>
+          <p:txBody>
+            <a:bodyPr rtlCol="0" anchor="ctr"/>
+            <a:lstStyle/>
+            <a:p>
+              <a:pPr algn="ctr"/>
+              <a:endParaRPr lang="en-US">
+                <a:solidFill>
+                  <a:schemeClr val="accent5">
+                    <a:lumMod val="75000"/>
+                  </a:schemeClr>
+                </a:solidFill>
+              </a:endParaRPr>
+            </a:p>
+          </p:txBody>
+        </p:sp>
+        <p:sp>
+          <p:nvSpPr>
+            <p:cNvPr id="1682" name="Rectangle 1681"/>
+            <p:cNvSpPr/>
+            <p:nvPr/>
+          </p:nvSpPr>
+          <p:spPr>
+            <a:xfrm>
+              <a:off x="20265805" y="3422703"/>
+              <a:ext cx="1540550" cy="666471"/>
+            </a:xfrm>
+            <a:prstGeom prst="rect">
+              <a:avLst/>
+            </a:prstGeom>
+            <a:noFill/>
+            <a:ln>
+              <a:noFill/>
+            </a:ln>
+          </p:spPr>
+          <p:style>
+            <a:lnRef idx="2">
+              <a:schemeClr val="accent1">
+                <a:shade val="50000"/>
+              </a:schemeClr>
+            </a:lnRef>
+            <a:fillRef idx="1">
+              <a:schemeClr val="accent1"/>
+            </a:fillRef>
+            <a:effectRef idx="0">
+              <a:schemeClr val="accent1"/>
+            </a:effectRef>
+            <a:fontRef idx="minor">
+              <a:schemeClr val="lt1"/>
+            </a:fontRef>
+          </p:style>
+          <p:txBody>
+            <a:bodyPr rtlCol="0" anchor="ctr"/>
+            <a:lstStyle/>
+            <a:p>
+              <a:pPr algn="ctr"/>
+              <a:r>
+                <a:rPr lang="en-US" sz="1800" dirty="0" smtClean="0">
+                  <a:solidFill>
+                    <a:schemeClr val="accent2">
+                      <a:lumMod val="75000"/>
+                    </a:schemeClr>
+                  </a:solidFill>
+                  <a:latin typeface="BrownBagLunch" panose="02000603000000000000" pitchFamily="2" charset="0"/>
+                </a:rPr>
+                <a:t>SCREEN TOO SMALL FOR THIS APPLICATION</a:t>
+              </a:r>
+              <a:endParaRPr lang="en-US" sz="1800" dirty="0">
+                <a:solidFill>
+                  <a:schemeClr val="accent2">
+                    <a:lumMod val="75000"/>
+                  </a:schemeClr>
+                </a:solidFill>
+                <a:latin typeface="BrownBagLunch" panose="02000603000000000000" pitchFamily="2" charset="0"/>
+              </a:endParaRPr>
+            </a:p>
+          </p:txBody>
+        </p:sp>
+      </p:grpSp>
+      <p:grpSp>
+        <p:nvGrpSpPr>
+          <p:cNvPr id="1683" name="Group 1682"/>
+          <p:cNvGrpSpPr/>
+          <p:nvPr/>
+        </p:nvGrpSpPr>
+        <p:grpSpPr>
+          <a:xfrm>
+            <a:off x="21531543" y="6355512"/>
+            <a:ext cx="1540550" cy="905375"/>
+            <a:chOff x="20265805" y="3422703"/>
+            <a:chExt cx="1540550" cy="744668"/>
+          </a:xfrm>
+        </p:grpSpPr>
+        <p:sp>
+          <p:nvSpPr>
+            <p:cNvPr id="1684" name="Rectangle 1683"/>
+            <p:cNvSpPr/>
+            <p:nvPr/>
+          </p:nvSpPr>
+          <p:spPr>
+            <a:xfrm>
+              <a:off x="20325079" y="3422705"/>
+              <a:ext cx="1417776" cy="744666"/>
+            </a:xfrm>
+            <a:prstGeom prst="rect">
+              <a:avLst/>
+            </a:prstGeom>
+            <a:solidFill>
+              <a:srgbClr val="F9B7B5"/>
+            </a:solidFill>
+            <a:ln w="22225">
+              <a:noFill/>
+            </a:ln>
+            <a:effectLst/>
+          </p:spPr>
+          <p:style>
+            <a:lnRef idx="2">
+              <a:schemeClr val="accent1">
+                <a:shade val="50000"/>
+              </a:schemeClr>
+            </a:lnRef>
+            <a:fillRef idx="1">
+              <a:schemeClr val="accent1"/>
+            </a:fillRef>
+            <a:effectRef idx="0">
+              <a:schemeClr val="accent1"/>
+            </a:effectRef>
+            <a:fontRef idx="minor">
+              <a:schemeClr val="lt1"/>
+            </a:fontRef>
+          </p:style>
+          <p:txBody>
+            <a:bodyPr rtlCol="0" anchor="ctr"/>
+            <a:lstStyle/>
+            <a:p>
+              <a:pPr algn="ctr"/>
+              <a:endParaRPr lang="en-US">
+                <a:solidFill>
+                  <a:schemeClr val="accent5">
+                    <a:lumMod val="75000"/>
+                  </a:schemeClr>
+                </a:solidFill>
+              </a:endParaRPr>
+            </a:p>
+          </p:txBody>
+        </p:sp>
+        <p:sp>
+          <p:nvSpPr>
+            <p:cNvPr id="1685" name="Rectangle 1684"/>
+            <p:cNvSpPr/>
+            <p:nvPr/>
+          </p:nvSpPr>
+          <p:spPr>
+            <a:xfrm>
+              <a:off x="20265805" y="3422703"/>
+              <a:ext cx="1540550" cy="666471"/>
+            </a:xfrm>
+            <a:prstGeom prst="rect">
+              <a:avLst/>
+            </a:prstGeom>
+            <a:noFill/>
+            <a:ln>
+              <a:noFill/>
+            </a:ln>
+          </p:spPr>
+          <p:style>
+            <a:lnRef idx="2">
+              <a:schemeClr val="accent1">
+                <a:shade val="50000"/>
+              </a:schemeClr>
+            </a:lnRef>
+            <a:fillRef idx="1">
+              <a:schemeClr val="accent1"/>
+            </a:fillRef>
+            <a:effectRef idx="0">
+              <a:schemeClr val="accent1"/>
+            </a:effectRef>
+            <a:fontRef idx="minor">
+              <a:schemeClr val="lt1"/>
+            </a:fontRef>
+          </p:style>
+          <p:txBody>
+            <a:bodyPr rtlCol="0" anchor="ctr"/>
+            <a:lstStyle/>
+            <a:p>
+              <a:pPr algn="ctr"/>
+              <a:r>
+                <a:rPr lang="en-US" sz="1800" dirty="0" smtClean="0">
+                  <a:solidFill>
+                    <a:srgbClr val="D93427"/>
+                  </a:solidFill>
+                  <a:latin typeface="BrownBagLunch" panose="02000603000000000000" pitchFamily="2" charset="0"/>
+                </a:rPr>
+                <a:t>SCREEN TOO SMALL FOR THIS APPLICATION</a:t>
+              </a:r>
+              <a:endParaRPr lang="en-US" sz="1800" dirty="0">
+                <a:solidFill>
+                  <a:srgbClr val="D93427"/>
+                </a:solidFill>
+                <a:latin typeface="BrownBagLunch" panose="02000603000000000000" pitchFamily="2" charset="0"/>
+              </a:endParaRPr>
+            </a:p>
+          </p:txBody>
+        </p:sp>
+      </p:grpSp>
     </p:spTree>
     <p:extLst>
       <p:ext uri="{BB962C8B-B14F-4D97-AF65-F5344CB8AC3E}">
